--- a/02.CourcesProject_byMoglova/уже кам/РП.Болотин.pptx
+++ b/02.CourcesProject_byMoglova/уже кам/РП.Болотин.pptx
@@ -313,7 +313,7 @@
           <a:p>
             <a:fld id="{4F976D17-B203-47A9-8267-F41CF36D22E9}" type="datetimeFigureOut">
               <a:rPr lang="en-US" smtClean="0"/>
-              <a:t>3/29/2021</a:t>
+              <a:t>3/31/2021</a:t>
             </a:fld>
             <a:endParaRPr lang="en-US"/>
           </a:p>
@@ -513,7 +513,7 @@
           <a:p>
             <a:fld id="{4F976D17-B203-47A9-8267-F41CF36D22E9}" type="datetimeFigureOut">
               <a:rPr lang="en-US" smtClean="0"/>
-              <a:t>3/29/2021</a:t>
+              <a:t>3/31/2021</a:t>
             </a:fld>
             <a:endParaRPr lang="en-US"/>
           </a:p>
@@ -723,7 +723,7 @@
           <a:p>
             <a:fld id="{4F976D17-B203-47A9-8267-F41CF36D22E9}" type="datetimeFigureOut">
               <a:rPr lang="en-US" smtClean="0"/>
-              <a:t>3/29/2021</a:t>
+              <a:t>3/31/2021</a:t>
             </a:fld>
             <a:endParaRPr lang="en-US"/>
           </a:p>
@@ -923,7 +923,7 @@
           <a:p>
             <a:fld id="{4F976D17-B203-47A9-8267-F41CF36D22E9}" type="datetimeFigureOut">
               <a:rPr lang="en-US" smtClean="0"/>
-              <a:t>3/29/2021</a:t>
+              <a:t>3/31/2021</a:t>
             </a:fld>
             <a:endParaRPr lang="en-US"/>
           </a:p>
@@ -1199,7 +1199,7 @@
           <a:p>
             <a:fld id="{4F976D17-B203-47A9-8267-F41CF36D22E9}" type="datetimeFigureOut">
               <a:rPr lang="en-US" smtClean="0"/>
-              <a:t>3/29/2021</a:t>
+              <a:t>3/31/2021</a:t>
             </a:fld>
             <a:endParaRPr lang="en-US"/>
           </a:p>
@@ -1467,7 +1467,7 @@
           <a:p>
             <a:fld id="{4F976D17-B203-47A9-8267-F41CF36D22E9}" type="datetimeFigureOut">
               <a:rPr lang="en-US" smtClean="0"/>
-              <a:t>3/29/2021</a:t>
+              <a:t>3/31/2021</a:t>
             </a:fld>
             <a:endParaRPr lang="en-US"/>
           </a:p>
@@ -1882,7 +1882,7 @@
           <a:p>
             <a:fld id="{4F976D17-B203-47A9-8267-F41CF36D22E9}" type="datetimeFigureOut">
               <a:rPr lang="en-US" smtClean="0"/>
-              <a:t>3/29/2021</a:t>
+              <a:t>3/31/2021</a:t>
             </a:fld>
             <a:endParaRPr lang="en-US"/>
           </a:p>
@@ -2024,7 +2024,7 @@
           <a:p>
             <a:fld id="{4F976D17-B203-47A9-8267-F41CF36D22E9}" type="datetimeFigureOut">
               <a:rPr lang="en-US" smtClean="0"/>
-              <a:t>3/29/2021</a:t>
+              <a:t>3/31/2021</a:t>
             </a:fld>
             <a:endParaRPr lang="en-US"/>
           </a:p>
@@ -2137,7 +2137,7 @@
           <a:p>
             <a:fld id="{4F976D17-B203-47A9-8267-F41CF36D22E9}" type="datetimeFigureOut">
               <a:rPr lang="en-US" smtClean="0"/>
-              <a:t>3/29/2021</a:t>
+              <a:t>3/31/2021</a:t>
             </a:fld>
             <a:endParaRPr lang="en-US"/>
           </a:p>
@@ -2450,7 +2450,7 @@
           <a:p>
             <a:fld id="{4F976D17-B203-47A9-8267-F41CF36D22E9}" type="datetimeFigureOut">
               <a:rPr lang="en-US" smtClean="0"/>
-              <a:t>3/29/2021</a:t>
+              <a:t>3/31/2021</a:t>
             </a:fld>
             <a:endParaRPr lang="en-US"/>
           </a:p>
@@ -2739,7 +2739,7 @@
           <a:p>
             <a:fld id="{4F976D17-B203-47A9-8267-F41CF36D22E9}" type="datetimeFigureOut">
               <a:rPr lang="en-US" smtClean="0"/>
-              <a:t>3/29/2021</a:t>
+              <a:t>3/31/2021</a:t>
             </a:fld>
             <a:endParaRPr lang="en-US"/>
           </a:p>
@@ -3018,7 +3018,7 @@
           <a:p>
             <a:fld id="{4F976D17-B203-47A9-8267-F41CF36D22E9}" type="datetimeFigureOut">
               <a:rPr lang="en-US" smtClean="0"/>
-              <a:t>3/29/2021</a:t>
+              <a:t>3/31/2021</a:t>
             </a:fld>
             <a:endParaRPr lang="en-US"/>
           </a:p>
@@ -3723,7 +3723,7 @@
               <a:buNone/>
             </a:pPr>
             <a:r>
-              <a:rPr lang="ru-RU" b="0" i="1" dirty="0">
+              <a:rPr lang="ru-RU" b="0" dirty="0">
                 <a:solidFill>
                   <a:srgbClr val="DFD5C9"/>
                 </a:solidFill>
@@ -3743,7 +3743,7 @@
               <a:buChar char="-"/>
             </a:pPr>
             <a:r>
-              <a:rPr lang="ru-RU" i="1" dirty="0">
+              <a:rPr lang="ru-RU" dirty="0">
                 <a:solidFill>
                   <a:srgbClr val="DFD5C9"/>
                 </a:solidFill>
@@ -3753,7 +3753,7 @@
               <a:t>Здании А (лестничная </a:t>
             </a:r>
             <a:r>
-              <a:rPr lang="ru-RU" i="1" dirty="0" err="1">
+              <a:rPr lang="ru-RU" dirty="0" err="1">
                 <a:solidFill>
                   <a:srgbClr val="DFD5C9"/>
                 </a:solidFill>
@@ -3763,7 +3763,7 @@
               <a:t>площ</a:t>
             </a:r>
             <a:r>
-              <a:rPr lang="ru-RU" i="1" dirty="0">
+              <a:rPr lang="ru-RU" dirty="0">
                 <a:solidFill>
                   <a:srgbClr val="DFD5C9"/>
                 </a:solidFill>
@@ -3782,7 +3782,7 @@
               <a:buChar char="-"/>
             </a:pPr>
             <a:r>
-              <a:rPr lang="ru-RU" b="0" i="1" dirty="0">
+              <a:rPr lang="ru-RU" b="0" dirty="0">
                 <a:solidFill>
                   <a:srgbClr val="DFD5C9"/>
                 </a:solidFill>
@@ -3879,7 +3879,7 @@
           <p:nvPr>
             <p:extLst>
               <p:ext uri="{D42A27DB-BD31-4B8C-83A1-F6EECF244321}">
-                <p14:modId xmlns:p14="http://schemas.microsoft.com/office/powerpoint/2010/main" val="465489569"/>
+                <p14:modId xmlns:p14="http://schemas.microsoft.com/office/powerpoint/2010/main" val="3177538365"/>
               </p:ext>
             </p:extLst>
           </p:nvPr>
@@ -3946,7 +3946,7 @@
                     <a:p>
                       <a:pPr algn="ctr"/>
                       <a:r>
-                        <a:rPr lang="ru-RU" sz="2000" i="1" dirty="0">
+                        <a:rPr lang="ru-RU" sz="2000" i="0" dirty="0">
                           <a:latin typeface="GOST type A" panose="020B0500000000000000" pitchFamily="34" charset="0"/>
                         </a:rPr>
                         <a:t>№</a:t>
@@ -4002,7 +4002,7 @@
                     <a:p>
                       <a:pPr algn="ctr"/>
                       <a:r>
-                        <a:rPr lang="ru-RU" sz="2000" i="1" dirty="0">
+                        <a:rPr lang="ru-RU" sz="2000" i="0" dirty="0">
                           <a:latin typeface="GOST type A" panose="020B0500000000000000" pitchFamily="34" charset="0"/>
                         </a:rPr>
                         <a:t>Наименование</a:t>
@@ -4058,7 +4058,7 @@
                     <a:p>
                       <a:pPr algn="ctr"/>
                       <a:r>
-                        <a:rPr lang="ru-RU" sz="2000" i="1" dirty="0">
+                        <a:rPr lang="ru-RU" sz="2000" i="0" dirty="0">
                           <a:latin typeface="GOST type A" panose="020B0500000000000000" pitchFamily="34" charset="0"/>
                         </a:rPr>
                         <a:t>Тип, марка</a:t>
@@ -4114,7 +4114,7 @@
                     <a:p>
                       <a:pPr algn="ctr"/>
                       <a:r>
-                        <a:rPr lang="ru-RU" sz="2000" i="1" dirty="0">
+                        <a:rPr lang="ru-RU" sz="2000" i="0" dirty="0">
                           <a:latin typeface="GOST type A" panose="020B0500000000000000" pitchFamily="34" charset="0"/>
                         </a:rPr>
                         <a:t>Производитель</a:t>
@@ -4170,7 +4170,7 @@
                     <a:p>
                       <a:pPr algn="ctr"/>
                       <a:r>
-                        <a:rPr lang="ru-RU" sz="2000" i="1" dirty="0">
+                        <a:rPr lang="ru-RU" sz="2000" i="0" dirty="0">
                           <a:latin typeface="GOST type A" panose="020B0500000000000000" pitchFamily="34" charset="0"/>
                         </a:rPr>
                         <a:t>Кол-во</a:t>
@@ -4226,7 +4226,7 @@
                     <a:p>
                       <a:pPr algn="ctr"/>
                       <a:r>
-                        <a:rPr lang="ru-RU" sz="2000" i="1" dirty="0">
+                        <a:rPr lang="ru-RU" sz="2000" i="0" dirty="0">
                           <a:latin typeface="GOST type A" panose="020B0500000000000000" pitchFamily="34" charset="0"/>
                         </a:rPr>
                         <a:t>Ед. изм.</a:t>
@@ -4289,7 +4289,7 @@
                     <a:p>
                       <a:pPr algn="ctr"/>
                       <a:r>
-                        <a:rPr lang="ru-RU" sz="2000" i="1" dirty="0">
+                        <a:rPr lang="ru-RU" sz="2000" i="0" dirty="0">
                           <a:latin typeface="GOST type A" panose="020B0500000000000000" pitchFamily="34" charset="0"/>
                         </a:rPr>
                         <a:t>1</a:t>
@@ -4349,7 +4349,7 @@
                         </a:spcAft>
                       </a:pPr>
                       <a:r>
-                        <a:rPr lang="ru-RU" sz="2000" i="1" dirty="0" err="1">
+                        <a:rPr lang="ru-RU" sz="2000" i="0" dirty="0" err="1">
                           <a:effectLst/>
                           <a:latin typeface="GOST type A" panose="020B0500000000000000" pitchFamily="34" charset="0"/>
                           <a:cs typeface="Times New Roman" panose="02020603050405020304" pitchFamily="18" charset="0"/>
@@ -4357,7 +4357,7 @@
                         <a:t>Сabeus</a:t>
                       </a:r>
                       <a:r>
-                        <a:rPr lang="ru-RU" sz="2000" i="1" dirty="0">
+                        <a:rPr lang="ru-RU" sz="2000" i="0" dirty="0">
                           <a:effectLst/>
                           <a:latin typeface="GOST type A" panose="020B0500000000000000" pitchFamily="34" charset="0"/>
                           <a:cs typeface="Times New Roman" panose="02020603050405020304" pitchFamily="18" charset="0"/>
@@ -4365,7 +4365,7 @@
                         <a:t> Clt-A-4-01x04-J-Pe-D-Out-40 Кабель Волоконно-Оптический 50/125 (Om3) </a:t>
                       </a:r>
                       <a:r>
-                        <a:rPr lang="ru-RU" sz="2000" i="1" dirty="0" err="1">
+                        <a:rPr lang="ru-RU" sz="2000" i="0" dirty="0" err="1">
                           <a:effectLst/>
                           <a:latin typeface="GOST type A" panose="020B0500000000000000" pitchFamily="34" charset="0"/>
                           <a:cs typeface="Times New Roman" panose="02020603050405020304" pitchFamily="18" charset="0"/>
@@ -4373,14 +4373,14 @@
                         <a:t>Многомодовый</a:t>
                       </a:r>
                       <a:r>
-                        <a:rPr lang="ru-RU" sz="2000" i="1" dirty="0">
+                        <a:rPr lang="ru-RU" sz="2000" i="0" dirty="0">
                           <a:effectLst/>
                           <a:latin typeface="GOST type A" panose="020B0500000000000000" pitchFamily="34" charset="0"/>
                           <a:cs typeface="Times New Roman" panose="02020603050405020304" pitchFamily="18" charset="0"/>
                         </a:rPr>
                         <a:t>, 4 Волокна</a:t>
                       </a:r>
-                      <a:endParaRPr lang="ru-RU" sz="2000" i="1" dirty="0">
+                      <a:endParaRPr lang="ru-RU" sz="2000" i="0" dirty="0">
                         <a:effectLst/>
                         <a:latin typeface="GOST type A" panose="020B0500000000000000" pitchFamily="34" charset="0"/>
                         <a:ea typeface="Calibri" panose="020F0502020204030204"/>
@@ -4441,14 +4441,14 @@
                         </a:spcAft>
                       </a:pPr>
                       <a:r>
-                        <a:rPr lang="ru-RU" sz="2000" i="1" dirty="0">
+                        <a:rPr lang="ru-RU" sz="2000" i="0" dirty="0">
                           <a:effectLst/>
                           <a:latin typeface="GOST type A" panose="020B0500000000000000" pitchFamily="34" charset="0"/>
                           <a:cs typeface="Times New Roman" panose="02020603050405020304" pitchFamily="18" charset="0"/>
                         </a:rPr>
                         <a:t>Clt-A-4-01x04</a:t>
                       </a:r>
-                      <a:endParaRPr lang="ru-RU" sz="2000" i="1" dirty="0">
+                      <a:endParaRPr lang="ru-RU" sz="2000" i="0" dirty="0">
                         <a:effectLst/>
                         <a:latin typeface="GOST type A" panose="020B0500000000000000" pitchFamily="34" charset="0"/>
                         <a:ea typeface="Calibri" panose="020F0502020204030204"/>
@@ -4509,14 +4509,14 @@
                         </a:spcAft>
                       </a:pPr>
                       <a:r>
-                        <a:rPr lang="ru-RU" sz="2000" i="1" dirty="0">
+                        <a:rPr lang="ru-RU" sz="2000" i="0" dirty="0">
                           <a:effectLst/>
                           <a:latin typeface="GOST type A" panose="020B0500000000000000" pitchFamily="34" charset="0"/>
                           <a:cs typeface="Times New Roman" panose="02020603050405020304" pitchFamily="18" charset="0"/>
                         </a:rPr>
                         <a:t>СABEUS</a:t>
                       </a:r>
-                      <a:endParaRPr lang="ru-RU" sz="2000" i="1" dirty="0">
+                      <a:endParaRPr lang="ru-RU" sz="2000" i="0" dirty="0">
                         <a:effectLst/>
                         <a:latin typeface="GOST type A" panose="020B0500000000000000" pitchFamily="34" charset="0"/>
                         <a:ea typeface="Calibri" panose="020F0502020204030204"/>
@@ -4573,7 +4573,7 @@
                     <a:p>
                       <a:pPr algn="ctr"/>
                       <a:r>
-                        <a:rPr lang="ru-RU" sz="2000" i="1" dirty="0">
+                        <a:rPr lang="ru-RU" sz="2000" i="0" dirty="0">
                           <a:latin typeface="GOST type A" panose="020B0500000000000000" pitchFamily="34" charset="0"/>
                         </a:rPr>
                         <a:t>250</a:t>
@@ -4629,7 +4629,7 @@
                     <a:p>
                       <a:pPr algn="ctr"/>
                       <a:r>
-                        <a:rPr lang="ru-RU" sz="2000" i="1" dirty="0">
+                        <a:rPr lang="ru-RU" sz="2000" i="0" dirty="0">
                           <a:latin typeface="GOST type A" panose="020B0500000000000000" pitchFamily="34" charset="0"/>
                         </a:rPr>
                         <a:t>метр</a:t>
@@ -4692,7 +4692,7 @@
                     <a:p>
                       <a:pPr algn="ctr"/>
                       <a:r>
-                        <a:rPr lang="ru-RU" sz="2000" i="1" dirty="0">
+                        <a:rPr lang="ru-RU" sz="2000" i="0" dirty="0">
                           <a:latin typeface="GOST type A" panose="020B0500000000000000" pitchFamily="34" charset="0"/>
                         </a:rPr>
                         <a:t>2</a:t>
@@ -4752,14 +4752,14 @@
                         </a:spcAft>
                       </a:pPr>
                       <a:r>
-                        <a:rPr lang="ru-RU" sz="2000" i="1" dirty="0">
+                        <a:rPr lang="ru-RU" sz="2000" i="0" dirty="0">
                           <a:effectLst/>
                           <a:latin typeface="GOST type A" panose="020B0500000000000000" pitchFamily="34" charset="0"/>
                           <a:cs typeface="Times New Roman" panose="02020603050405020304" pitchFamily="18" charset="0"/>
                         </a:rPr>
                         <a:t>GYDERS GDR-126045BM шкаф 19 настенный 12U</a:t>
                       </a:r>
-                      <a:endParaRPr lang="ru-RU" sz="2000" i="1" dirty="0">
+                      <a:endParaRPr lang="ru-RU" sz="2000" i="0" dirty="0">
                         <a:effectLst/>
                         <a:latin typeface="GOST type A" panose="020B0500000000000000" pitchFamily="34" charset="0"/>
                         <a:ea typeface="Calibri" panose="020F0502020204030204"/>
@@ -4820,14 +4820,14 @@
                         </a:spcAft>
                       </a:pPr>
                       <a:r>
-                        <a:rPr lang="ru-RU" sz="2000" i="1" dirty="0">
+                        <a:rPr lang="ru-RU" sz="2000" i="0" dirty="0">
                           <a:effectLst/>
                           <a:latin typeface="GOST type A" panose="020B0500000000000000" pitchFamily="34" charset="0"/>
                           <a:cs typeface="Times New Roman" panose="02020603050405020304" pitchFamily="18" charset="0"/>
                         </a:rPr>
                         <a:t>GDR-126045BM</a:t>
                       </a:r>
-                      <a:endParaRPr lang="ru-RU" sz="2000" i="1" dirty="0">
+                      <a:endParaRPr lang="ru-RU" sz="2000" i="0" dirty="0">
                         <a:effectLst/>
                         <a:latin typeface="GOST type A" panose="020B0500000000000000" pitchFamily="34" charset="0"/>
                         <a:ea typeface="Calibri" panose="020F0502020204030204"/>
@@ -4888,14 +4888,14 @@
                         </a:spcAft>
                       </a:pPr>
                       <a:r>
-                        <a:rPr lang="en-US" sz="2000" i="1" dirty="0" err="1">
+                        <a:rPr lang="en-US" sz="2000" i="0" dirty="0" err="1">
                           <a:effectLst/>
                           <a:latin typeface="GOST type A" panose="020B0500000000000000" pitchFamily="34" charset="0"/>
                           <a:cs typeface="Times New Roman" panose="02020603050405020304" pitchFamily="18" charset="0"/>
                         </a:rPr>
                         <a:t>Gyders</a:t>
                       </a:r>
-                      <a:endParaRPr lang="ru-RU" sz="2000" i="1" dirty="0">
+                      <a:endParaRPr lang="ru-RU" sz="2000" i="0" dirty="0">
                         <a:effectLst/>
                         <a:latin typeface="GOST type A" panose="020B0500000000000000" pitchFamily="34" charset="0"/>
                         <a:ea typeface="Calibri" panose="020F0502020204030204"/>
@@ -4952,7 +4952,7 @@
                     <a:p>
                       <a:pPr algn="ctr"/>
                       <a:r>
-                        <a:rPr lang="ru-RU" sz="2000" i="1" dirty="0">
+                        <a:rPr lang="ru-RU" sz="2000" i="0" dirty="0">
                           <a:latin typeface="GOST type A" panose="020B0500000000000000" pitchFamily="34" charset="0"/>
                         </a:rPr>
                         <a:t>2</a:t>
@@ -5008,7 +5008,7 @@
                     <a:p>
                       <a:pPr algn="ctr"/>
                       <a:r>
-                        <a:rPr lang="ru-RU" sz="2000" i="1" dirty="0">
+                        <a:rPr lang="ru-RU" sz="2000" i="0" dirty="0">
                           <a:latin typeface="GOST type A" panose="020B0500000000000000" pitchFamily="34" charset="0"/>
                         </a:rPr>
                         <a:t>единиц</a:t>
@@ -5071,7 +5071,7 @@
                     <a:p>
                       <a:pPr algn="ctr"/>
                       <a:r>
-                        <a:rPr lang="ru-RU" sz="2000" i="1" dirty="0">
+                        <a:rPr lang="ru-RU" sz="2000" i="0" dirty="0">
                           <a:latin typeface="GOST type A" panose="020B0500000000000000" pitchFamily="34" charset="0"/>
                         </a:rPr>
                         <a:t>3</a:t>
@@ -5131,7 +5131,7 @@
                         </a:spcAft>
                       </a:pPr>
                       <a:r>
-                        <a:rPr lang="ru-RU" sz="2000" i="1" dirty="0">
+                        <a:rPr lang="ru-RU" sz="2000" i="0" dirty="0">
                           <a:effectLst/>
                           <a:latin typeface="GOST type A" panose="020B0500000000000000" pitchFamily="34" charset="0"/>
                           <a:cs typeface="Times New Roman" panose="02020603050405020304" pitchFamily="18" charset="0"/>
@@ -5139,7 +5139,7 @@
                         <a:t>Патч</a:t>
                       </a:r>
                       <a:r>
-                        <a:rPr lang="en-US" sz="2000" i="1" dirty="0">
+                        <a:rPr lang="en-US" sz="2000" i="0" dirty="0">
                           <a:effectLst/>
                           <a:latin typeface="GOST type A" panose="020B0500000000000000" pitchFamily="34" charset="0"/>
                           <a:cs typeface="Times New Roman" panose="02020603050405020304" pitchFamily="18" charset="0"/>
@@ -5147,7 +5147,7 @@
                         <a:t>-</a:t>
                       </a:r>
                       <a:r>
-                        <a:rPr lang="ru-RU" sz="2000" i="1" dirty="0">
+                        <a:rPr lang="ru-RU" sz="2000" i="0" dirty="0">
                           <a:effectLst/>
                           <a:latin typeface="GOST type A" panose="020B0500000000000000" pitchFamily="34" charset="0"/>
                           <a:cs typeface="Times New Roman" panose="02020603050405020304" pitchFamily="18" charset="0"/>
@@ -5155,7 +5155,7 @@
                         <a:t>панель</a:t>
                       </a:r>
                       <a:r>
-                        <a:rPr lang="en-US" sz="2000" i="1" dirty="0">
+                        <a:rPr lang="en-US" sz="2000" i="0" dirty="0">
                           <a:effectLst/>
                           <a:latin typeface="GOST type A" panose="020B0500000000000000" pitchFamily="34" charset="0"/>
                           <a:cs typeface="Times New Roman" panose="02020603050405020304" pitchFamily="18" charset="0"/>
@@ -5163,7 +5163,7 @@
                         <a:t> </a:t>
                       </a:r>
                       <a:r>
-                        <a:rPr lang="en-US" sz="2000" i="1" dirty="0" err="1">
+                        <a:rPr lang="en-US" sz="2000" i="0" dirty="0" err="1">
                           <a:effectLst/>
                           <a:latin typeface="GOST type A" panose="020B0500000000000000" pitchFamily="34" charset="0"/>
                           <a:cs typeface="Times New Roman" panose="02020603050405020304" pitchFamily="18" charset="0"/>
@@ -5171,7 +5171,7 @@
                         <a:t>Lanmaster</a:t>
                       </a:r>
                       <a:r>
-                        <a:rPr lang="en-US" sz="2000" i="1" dirty="0">
+                        <a:rPr lang="en-US" sz="2000" i="0" dirty="0">
                           <a:effectLst/>
                           <a:latin typeface="GOST type A" panose="020B0500000000000000" pitchFamily="34" charset="0"/>
                           <a:cs typeface="Times New Roman" panose="02020603050405020304" pitchFamily="18" charset="0"/>
@@ -5179,7 +5179,7 @@
                         <a:t> 19” 1U </a:t>
                       </a:r>
                       <a:r>
-                        <a:rPr lang="ru-RU" sz="2000" i="1" dirty="0">
+                        <a:rPr lang="ru-RU" sz="2000" i="0" dirty="0">
                           <a:effectLst/>
                           <a:latin typeface="GOST type A" panose="020B0500000000000000" pitchFamily="34" charset="0"/>
                           <a:cs typeface="Times New Roman" panose="02020603050405020304" pitchFamily="18" charset="0"/>
@@ -5187,7 +5187,7 @@
                         <a:t>24</a:t>
                       </a:r>
                       <a:r>
-                        <a:rPr lang="en-US" sz="2000" i="1" dirty="0">
+                        <a:rPr lang="en-US" sz="2000" i="0" dirty="0">
                           <a:effectLst/>
                           <a:latin typeface="GOST type A" panose="020B0500000000000000" pitchFamily="34" charset="0"/>
                           <a:cs typeface="Times New Roman" panose="02020603050405020304" pitchFamily="18" charset="0"/>
@@ -5195,7 +5195,7 @@
                         <a:t>xRJ45 </a:t>
                       </a:r>
                       <a:r>
-                        <a:rPr lang="ru-RU" sz="2000" i="1" dirty="0">
+                        <a:rPr lang="ru-RU" sz="2000" i="0" dirty="0">
                           <a:effectLst/>
                           <a:latin typeface="GOST type A" panose="020B0500000000000000" pitchFamily="34" charset="0"/>
                           <a:cs typeface="Times New Roman" panose="02020603050405020304" pitchFamily="18" charset="0"/>
@@ -5203,14 +5203,14 @@
                         <a:t>кат</a:t>
                       </a:r>
                       <a:r>
-                        <a:rPr lang="en-US" sz="2000" i="1" dirty="0">
+                        <a:rPr lang="en-US" sz="2000" i="0" dirty="0">
                           <a:effectLst/>
                           <a:latin typeface="GOST type A" panose="020B0500000000000000" pitchFamily="34" charset="0"/>
                           <a:cs typeface="Times New Roman" panose="02020603050405020304" pitchFamily="18" charset="0"/>
                         </a:rPr>
                         <a:t>.5e FTP</a:t>
                       </a:r>
-                      <a:endParaRPr lang="ru-RU" sz="2000" i="1" dirty="0">
+                      <a:endParaRPr lang="ru-RU" sz="2000" i="0" dirty="0">
                         <a:effectLst/>
                         <a:latin typeface="GOST type A" panose="020B0500000000000000" pitchFamily="34" charset="0"/>
                         <a:ea typeface="Calibri" panose="020F0502020204030204"/>
@@ -5271,14 +5271,14 @@
                         </a:spcAft>
                       </a:pPr>
                       <a:r>
-                        <a:rPr lang="en-US" sz="2000" i="1" dirty="0">
+                        <a:rPr lang="en-US" sz="2000" i="0" dirty="0">
                           <a:effectLst/>
                           <a:latin typeface="GOST type A" panose="020B0500000000000000" pitchFamily="34" charset="0"/>
                           <a:cs typeface="Times New Roman" panose="02020603050405020304" pitchFamily="18" charset="0"/>
                         </a:rPr>
                         <a:t>TWT-PP24STP</a:t>
                       </a:r>
-                      <a:endParaRPr lang="ru-RU" sz="2000" i="1" dirty="0">
+                      <a:endParaRPr lang="ru-RU" sz="2000" i="0" dirty="0">
                         <a:effectLst/>
                         <a:latin typeface="GOST type A" panose="020B0500000000000000" pitchFamily="34" charset="0"/>
                         <a:ea typeface="Calibri" panose="020F0502020204030204"/>
@@ -5339,14 +5339,14 @@
                         </a:spcAft>
                       </a:pPr>
                       <a:r>
-                        <a:rPr lang="en-US" sz="2000" i="1" dirty="0" err="1">
+                        <a:rPr lang="en-US" sz="2000" i="0" dirty="0" err="1">
                           <a:effectLst/>
                           <a:latin typeface="GOST type A" panose="020B0500000000000000" pitchFamily="34" charset="0"/>
                           <a:cs typeface="Times New Roman" panose="02020603050405020304" pitchFamily="18" charset="0"/>
                         </a:rPr>
                         <a:t>Lanmaster</a:t>
                       </a:r>
-                      <a:endParaRPr lang="ru-RU" sz="2000" i="1" dirty="0">
+                      <a:endParaRPr lang="ru-RU" sz="2000" i="0" dirty="0">
                         <a:effectLst/>
                         <a:latin typeface="GOST type A" panose="020B0500000000000000" pitchFamily="34" charset="0"/>
                         <a:ea typeface="Calibri" panose="020F0502020204030204"/>
@@ -5403,7 +5403,7 @@
                     <a:p>
                       <a:pPr algn="ctr"/>
                       <a:r>
-                        <a:rPr lang="ru-RU" sz="2000" i="1" dirty="0">
+                        <a:rPr lang="ru-RU" sz="2000" i="0" dirty="0">
                           <a:latin typeface="GOST type A" panose="020B0500000000000000" pitchFamily="34" charset="0"/>
                         </a:rPr>
                         <a:t>1</a:t>
@@ -5459,7 +5459,7 @@
                     <a:p>
                       <a:pPr algn="ctr"/>
                       <a:r>
-                        <a:rPr lang="ru-RU" sz="2000" i="1" dirty="0">
+                        <a:rPr lang="ru-RU" sz="2000" i="0" dirty="0">
                           <a:latin typeface="GOST type A" panose="020B0500000000000000" pitchFamily="34" charset="0"/>
                         </a:rPr>
                         <a:t>единиц</a:t>
@@ -5522,7 +5522,7 @@
                     <a:p>
                       <a:pPr algn="ctr"/>
                       <a:r>
-                        <a:rPr lang="ru-RU" sz="2000" i="1" dirty="0">
+                        <a:rPr lang="ru-RU" sz="2000" i="0" dirty="0">
                           <a:latin typeface="GOST type A" panose="020B0500000000000000" pitchFamily="34" charset="0"/>
                         </a:rPr>
                         <a:t>4</a:t>
@@ -5594,7 +5594,7 @@
                         <a:defRPr/>
                       </a:pPr>
                       <a:r>
-                        <a:rPr lang="ru-RU" sz="2000" i="1" dirty="0">
+                        <a:rPr lang="ru-RU" sz="2000" i="0" dirty="0">
                           <a:effectLst/>
                           <a:latin typeface="GOST type A" panose="020B0500000000000000" pitchFamily="34" charset="0"/>
                           <a:cs typeface="Times New Roman" panose="02020603050405020304" pitchFamily="18" charset="0"/>
@@ -5602,7 +5602,7 @@
                         <a:t>Патч</a:t>
                       </a:r>
                       <a:r>
-                        <a:rPr lang="en-US" sz="2000" i="1" dirty="0">
+                        <a:rPr lang="en-US" sz="2000" i="0" dirty="0">
                           <a:effectLst/>
                           <a:latin typeface="GOST type A" panose="020B0500000000000000" pitchFamily="34" charset="0"/>
                           <a:cs typeface="Times New Roman" panose="02020603050405020304" pitchFamily="18" charset="0"/>
@@ -5610,7 +5610,7 @@
                         <a:t>-</a:t>
                       </a:r>
                       <a:r>
-                        <a:rPr lang="ru-RU" sz="2000" i="1" dirty="0">
+                        <a:rPr lang="ru-RU" sz="2000" i="0" dirty="0">
                           <a:effectLst/>
                           <a:latin typeface="GOST type A" panose="020B0500000000000000" pitchFamily="34" charset="0"/>
                           <a:cs typeface="Times New Roman" panose="02020603050405020304" pitchFamily="18" charset="0"/>
@@ -5618,7 +5618,7 @@
                         <a:t>панель</a:t>
                       </a:r>
                       <a:r>
-                        <a:rPr lang="en-US" sz="2000" i="1" dirty="0">
+                        <a:rPr lang="en-US" sz="2000" i="0" dirty="0">
                           <a:effectLst/>
                           <a:latin typeface="GOST type A" panose="020B0500000000000000" pitchFamily="34" charset="0"/>
                           <a:cs typeface="Times New Roman" panose="02020603050405020304" pitchFamily="18" charset="0"/>
@@ -5626,7 +5626,7 @@
                         <a:t> </a:t>
                       </a:r>
                       <a:r>
-                        <a:rPr lang="en-US" sz="2000" i="1" dirty="0" err="1">
+                        <a:rPr lang="en-US" sz="2000" i="0" dirty="0" err="1">
                           <a:effectLst/>
                           <a:latin typeface="GOST type A" panose="020B0500000000000000" pitchFamily="34" charset="0"/>
                           <a:cs typeface="Times New Roman" panose="02020603050405020304" pitchFamily="18" charset="0"/>
@@ -5634,7 +5634,7 @@
                         <a:t>Lanmaster</a:t>
                       </a:r>
                       <a:r>
-                        <a:rPr lang="en-US" sz="2000" i="1" dirty="0">
+                        <a:rPr lang="en-US" sz="2000" i="0" dirty="0">
                           <a:effectLst/>
                           <a:latin typeface="GOST type A" panose="020B0500000000000000" pitchFamily="34" charset="0"/>
                           <a:cs typeface="Times New Roman" panose="02020603050405020304" pitchFamily="18" charset="0"/>
@@ -5642,7 +5642,7 @@
                         <a:t> 19” 1U 12xRJ45 </a:t>
                       </a:r>
                       <a:r>
-                        <a:rPr lang="ru-RU" sz="2000" i="1" dirty="0">
+                        <a:rPr lang="ru-RU" sz="2000" i="0" dirty="0">
                           <a:effectLst/>
                           <a:latin typeface="GOST type A" panose="020B0500000000000000" pitchFamily="34" charset="0"/>
                           <a:cs typeface="Times New Roman" panose="02020603050405020304" pitchFamily="18" charset="0"/>
@@ -5650,14 +5650,14 @@
                         <a:t>кат</a:t>
                       </a:r>
                       <a:r>
-                        <a:rPr lang="en-US" sz="2000" i="1" dirty="0">
+                        <a:rPr lang="en-US" sz="2000" i="0" dirty="0">
                           <a:effectLst/>
                           <a:latin typeface="GOST type A" panose="020B0500000000000000" pitchFamily="34" charset="0"/>
                           <a:cs typeface="Times New Roman" panose="02020603050405020304" pitchFamily="18" charset="0"/>
                         </a:rPr>
                         <a:t>.5e FTP</a:t>
                       </a:r>
-                      <a:endParaRPr lang="ru-RU" sz="2000" i="1" dirty="0">
+                      <a:endParaRPr lang="ru-RU" sz="2000" i="0" dirty="0">
                         <a:effectLst/>
                         <a:latin typeface="GOST type A" panose="020B0500000000000000" pitchFamily="34" charset="0"/>
                         <a:ea typeface="Calibri" panose="020F0502020204030204"/>
@@ -5718,7 +5718,7 @@
                         </a:spcAft>
                       </a:pPr>
                       <a:r>
-                        <a:rPr lang="en-US" sz="2000" i="1" dirty="0">
+                        <a:rPr lang="en-US" sz="2000" i="0" dirty="0">
                           <a:effectLst/>
                           <a:latin typeface="GOST type A" panose="020B0500000000000000" pitchFamily="34" charset="0"/>
                           <a:cs typeface="Times New Roman" panose="02020603050405020304" pitchFamily="18" charset="0"/>
@@ -5726,7 +5726,7 @@
                         <a:t>TWT-PP</a:t>
                       </a:r>
                       <a:r>
-                        <a:rPr lang="ru-RU" sz="2000" i="1" dirty="0">
+                        <a:rPr lang="ru-RU" sz="2000" i="0" dirty="0">
                           <a:effectLst/>
                           <a:latin typeface="GOST type A" panose="020B0500000000000000" pitchFamily="34" charset="0"/>
                           <a:cs typeface="Times New Roman" panose="02020603050405020304" pitchFamily="18" charset="0"/>
@@ -5734,14 +5734,14 @@
                         <a:t>12</a:t>
                       </a:r>
                       <a:r>
-                        <a:rPr lang="en-US" sz="2000" i="1" dirty="0">
+                        <a:rPr lang="en-US" sz="2000" i="0" dirty="0">
                           <a:effectLst/>
                           <a:latin typeface="GOST type A" panose="020B0500000000000000" pitchFamily="34" charset="0"/>
                           <a:cs typeface="Times New Roman" panose="02020603050405020304" pitchFamily="18" charset="0"/>
                         </a:rPr>
                         <a:t>STP</a:t>
                       </a:r>
-                      <a:endParaRPr lang="ru-RU" sz="2000" i="1" dirty="0">
+                      <a:endParaRPr lang="ru-RU" sz="2000" i="0" dirty="0">
                         <a:effectLst/>
                         <a:latin typeface="GOST type A" panose="020B0500000000000000" pitchFamily="34" charset="0"/>
                         <a:ea typeface="Calibri" panose="020F0502020204030204"/>
@@ -5798,14 +5798,14 @@
                     <a:p>
                       <a:pPr algn="ctr"/>
                       <a:r>
-                        <a:rPr lang="en-US" sz="2000" i="1" dirty="0" err="1">
+                        <a:rPr lang="en-US" sz="2000" i="0" dirty="0" err="1">
                           <a:effectLst/>
                           <a:latin typeface="GOST type A" panose="020B0500000000000000" pitchFamily="34" charset="0"/>
                           <a:cs typeface="Times New Roman" panose="02020603050405020304" pitchFamily="18" charset="0"/>
                         </a:rPr>
                         <a:t>Lanmaster</a:t>
                       </a:r>
-                      <a:endParaRPr lang="ru-RU" sz="2000" i="1" dirty="0">
+                      <a:endParaRPr lang="ru-RU" sz="2000" i="0" dirty="0">
                         <a:latin typeface="GOST type A" panose="020B0500000000000000" pitchFamily="34" charset="0"/>
                       </a:endParaRPr>
                     </a:p>
@@ -5859,7 +5859,7 @@
                     <a:p>
                       <a:pPr algn="ctr"/>
                       <a:r>
-                        <a:rPr lang="ru-RU" sz="2000" i="1" dirty="0">
+                        <a:rPr lang="ru-RU" sz="2000" i="0" dirty="0">
                           <a:latin typeface="GOST type A" panose="020B0500000000000000" pitchFamily="34" charset="0"/>
                         </a:rPr>
                         <a:t>1</a:t>
@@ -5915,7 +5915,7 @@
                     <a:p>
                       <a:pPr algn="ctr"/>
                       <a:r>
-                        <a:rPr lang="ru-RU" sz="2000" i="1" dirty="0">
+                        <a:rPr lang="ru-RU" sz="2000" i="0" dirty="0">
                           <a:latin typeface="GOST type A" panose="020B0500000000000000" pitchFamily="34" charset="0"/>
                         </a:rPr>
                         <a:t>единиц</a:t>
@@ -5978,7 +5978,7 @@
                     <a:p>
                       <a:pPr algn="ctr"/>
                       <a:r>
-                        <a:rPr lang="ru-RU" sz="2000" i="1" dirty="0">
+                        <a:rPr lang="ru-RU" sz="2000" i="0" dirty="0">
                           <a:latin typeface="GOST type A" panose="020B0500000000000000" pitchFamily="34" charset="0"/>
                         </a:rPr>
                         <a:t>5</a:t>
@@ -6050,7 +6050,7 @@
                         <a:defRPr/>
                       </a:pPr>
                       <a:r>
-                        <a:rPr lang="ru-RU" sz="2000" i="1" dirty="0" err="1">
+                        <a:rPr lang="ru-RU" sz="2000" i="0" dirty="0" err="1">
                           <a:effectLst/>
                           <a:latin typeface="GOST type A" panose="020B0500000000000000" pitchFamily="34" charset="0"/>
                           <a:cs typeface="Times New Roman" panose="02020603050405020304" pitchFamily="18" charset="0"/>
@@ -6058,7 +6058,7 @@
                         <a:t>Hyperline</a:t>
                       </a:r>
                       <a:r>
-                        <a:rPr lang="ru-RU" sz="2000" i="1" dirty="0">
+                        <a:rPr lang="ru-RU" sz="2000" i="0" dirty="0">
                           <a:effectLst/>
                           <a:latin typeface="GOST type A" panose="020B0500000000000000" pitchFamily="34" charset="0"/>
                           <a:cs typeface="Times New Roman" panose="02020603050405020304" pitchFamily="18" charset="0"/>
@@ -6066,7 +6066,7 @@
                         <a:t> </a:t>
                       </a:r>
                       <a:r>
-                        <a:rPr lang="ru-RU" sz="2000" i="1" dirty="0" err="1">
+                        <a:rPr lang="ru-RU" sz="2000" i="0" dirty="0" err="1">
                           <a:effectLst/>
                           <a:latin typeface="GOST type A" panose="020B0500000000000000" pitchFamily="34" charset="0"/>
                           <a:cs typeface="Times New Roman" panose="02020603050405020304" pitchFamily="18" charset="0"/>
@@ -6074,14 +6074,14 @@
                         <a:t>гор.размещ</a:t>
                       </a:r>
                       <a:r>
-                        <a:rPr lang="ru-RU" sz="2000" i="1" dirty="0">
+                        <a:rPr lang="ru-RU" sz="2000" i="0" dirty="0">
                           <a:effectLst/>
                           <a:latin typeface="GOST type A" panose="020B0500000000000000" pitchFamily="34" charset="0"/>
                           <a:cs typeface="Times New Roman" panose="02020603050405020304" pitchFamily="18" charset="0"/>
                         </a:rPr>
                         <a:t>. 9xSchuko базовые 10A без вилки</a:t>
                       </a:r>
-                      <a:endParaRPr lang="ru-RU" sz="2000" i="1" dirty="0">
+                      <a:endParaRPr lang="ru-RU" sz="2000" i="0" dirty="0">
                         <a:effectLst/>
                         <a:latin typeface="GOST type A" panose="020B0500000000000000" pitchFamily="34" charset="0"/>
                         <a:ea typeface="Calibri" panose="020F0502020204030204"/>
@@ -6154,14 +6154,14 @@
                         <a:defRPr/>
                       </a:pPr>
                       <a:r>
-                        <a:rPr lang="ru-RU" sz="2000" i="1" dirty="0">
+                        <a:rPr lang="ru-RU" sz="2000" i="0" dirty="0">
                           <a:effectLst/>
                           <a:latin typeface="GOST type A" panose="020B0500000000000000" pitchFamily="34" charset="0"/>
                           <a:cs typeface="Times New Roman" panose="02020603050405020304" pitchFamily="18" charset="0"/>
                         </a:rPr>
                         <a:t>SHT19-9SH-2.5IEC</a:t>
                       </a:r>
-                      <a:endParaRPr lang="ru-RU" sz="2000" i="1" dirty="0">
+                      <a:endParaRPr lang="ru-RU" sz="2000" i="0" dirty="0">
                         <a:effectLst/>
                         <a:latin typeface="GOST type A" panose="020B0500000000000000" pitchFamily="34" charset="0"/>
                         <a:ea typeface="Calibri" panose="020F0502020204030204"/>
@@ -6170,7 +6170,7 @@
                     </a:p>
                     <a:p>
                       <a:pPr algn="ctr"/>
-                      <a:endParaRPr lang="ru-RU" sz="2000" i="1" dirty="0">
+                      <a:endParaRPr lang="ru-RU" sz="2000" i="0" dirty="0">
                         <a:latin typeface="GOST type A" panose="020B0500000000000000" pitchFamily="34" charset="0"/>
                       </a:endParaRPr>
                     </a:p>
@@ -6224,14 +6224,14 @@
                     <a:p>
                       <a:pPr algn="ctr"/>
                       <a:r>
-                        <a:rPr lang="ru-RU" sz="2000" i="1" dirty="0" err="1">
+                        <a:rPr lang="ru-RU" sz="2000" i="0" dirty="0" err="1">
                           <a:effectLst/>
                           <a:latin typeface="GOST type A" panose="020B0500000000000000" pitchFamily="34" charset="0"/>
                           <a:cs typeface="Times New Roman" panose="02020603050405020304" pitchFamily="18" charset="0"/>
                         </a:rPr>
                         <a:t>Hyperline</a:t>
                       </a:r>
-                      <a:endParaRPr lang="ru-RU" sz="2000" i="1" dirty="0">
+                      <a:endParaRPr lang="ru-RU" sz="2000" i="0" dirty="0">
                         <a:latin typeface="GOST type A" panose="020B0500000000000000" pitchFamily="34" charset="0"/>
                       </a:endParaRPr>
                     </a:p>
@@ -6285,7 +6285,7 @@
                     <a:p>
                       <a:pPr algn="ctr"/>
                       <a:r>
-                        <a:rPr lang="ru-RU" sz="2000" i="1" dirty="0">
+                        <a:rPr lang="ru-RU" sz="2000" i="0" dirty="0">
                           <a:latin typeface="GOST type A" panose="020B0500000000000000" pitchFamily="34" charset="0"/>
                         </a:rPr>
                         <a:t>2</a:t>
@@ -6341,7 +6341,7 @@
                     <a:p>
                       <a:pPr algn="ctr"/>
                       <a:r>
-                        <a:rPr lang="ru-RU" sz="2000" i="1" dirty="0">
+                        <a:rPr lang="ru-RU" sz="2000" i="0" dirty="0">
                           <a:latin typeface="GOST type A" panose="020B0500000000000000" pitchFamily="34" charset="0"/>
                         </a:rPr>
                         <a:t>единиц</a:t>
@@ -6404,7 +6404,7 @@
                     <a:p>
                       <a:pPr algn="ctr"/>
                       <a:r>
-                        <a:rPr lang="ru-RU" sz="2000" i="1" dirty="0">
+                        <a:rPr lang="ru-RU" sz="2000" i="0" dirty="0">
                           <a:latin typeface="GOST type A" panose="020B0500000000000000" pitchFamily="34" charset="0"/>
                         </a:rPr>
                         <a:t>6</a:t>
@@ -6476,14 +6476,14 @@
                         <a:defRPr/>
                       </a:pPr>
                       <a:r>
-                        <a:rPr lang="en-US" sz="2000" i="1" dirty="0">
+                        <a:rPr lang="en-US" sz="2000" i="0" dirty="0">
                           <a:effectLst/>
                           <a:latin typeface="GOST type A" panose="020B0500000000000000" pitchFamily="34" charset="0"/>
                           <a:cs typeface="Times New Roman" panose="02020603050405020304" pitchFamily="18" charset="0"/>
                         </a:rPr>
                         <a:t>APC Smart-UPS RT 1000 ВА, 230 В</a:t>
                       </a:r>
-                      <a:endParaRPr lang="ru-RU" sz="2000" i="1" dirty="0">
+                      <a:endParaRPr lang="ru-RU" sz="2000" i="0" dirty="0">
                         <a:effectLst/>
                         <a:latin typeface="GOST type A" panose="020B0500000000000000" pitchFamily="34" charset="0"/>
                         <a:ea typeface="Calibri" panose="020F0502020204030204"/>
@@ -6540,12 +6540,12 @@
                     <a:p>
                       <a:pPr algn="ctr"/>
                       <a:r>
-                        <a:rPr lang="en-US" sz="2000" i="1" dirty="0">
+                        <a:rPr lang="en-US" sz="2000" i="0" dirty="0">
                           <a:latin typeface="GOST type A" panose="020B0500000000000000" pitchFamily="34" charset="0"/>
                         </a:rPr>
                         <a:t>RT</a:t>
                       </a:r>
-                      <a:endParaRPr lang="ru-RU" sz="2000" i="1" dirty="0">
+                      <a:endParaRPr lang="ru-RU" sz="2000" i="0" dirty="0">
                         <a:latin typeface="GOST type A" panose="020B0500000000000000" pitchFamily="34" charset="0"/>
                       </a:endParaRPr>
                     </a:p>
@@ -6603,7 +6603,7 @@
                         </a:spcAft>
                       </a:pPr>
                       <a:r>
-                        <a:rPr lang="ru-RU" sz="2000" i="1" dirty="0" err="1">
+                        <a:rPr lang="ru-RU" sz="2000" i="0" dirty="0" err="1">
                           <a:effectLst/>
                           <a:latin typeface="GOST type A" panose="020B0500000000000000" pitchFamily="34" charset="0"/>
                           <a:cs typeface="Times New Roman" panose="02020603050405020304" pitchFamily="18" charset="0"/>
@@ -6611,7 +6611,7 @@
                         <a:t>Smart</a:t>
                       </a:r>
                       <a:r>
-                        <a:rPr lang="ru-RU" sz="2000" i="1" dirty="0">
+                        <a:rPr lang="ru-RU" sz="2000" i="0" dirty="0">
                           <a:effectLst/>
                           <a:latin typeface="GOST type A" panose="020B0500000000000000" pitchFamily="34" charset="0"/>
                           <a:cs typeface="Times New Roman" panose="02020603050405020304" pitchFamily="18" charset="0"/>
@@ -6669,7 +6669,7 @@
                     <a:p>
                       <a:pPr algn="ctr"/>
                       <a:r>
-                        <a:rPr lang="ru-RU" sz="2000" i="1" dirty="0">
+                        <a:rPr lang="ru-RU" sz="2000" i="0" dirty="0">
                           <a:latin typeface="GOST type A" panose="020B0500000000000000" pitchFamily="34" charset="0"/>
                         </a:rPr>
                         <a:t>2</a:t>
@@ -6725,7 +6725,7 @@
                     <a:p>
                       <a:pPr algn="ctr"/>
                       <a:r>
-                        <a:rPr lang="ru-RU" sz="2000" i="1" dirty="0">
+                        <a:rPr lang="ru-RU" sz="2000" i="0" dirty="0">
                           <a:latin typeface="GOST type A" panose="020B0500000000000000" pitchFamily="34" charset="0"/>
                         </a:rPr>
                         <a:t>единиц</a:t>
@@ -6788,7 +6788,7 @@
                     <a:p>
                       <a:pPr algn="ctr"/>
                       <a:r>
-                        <a:rPr lang="ru-RU" sz="2000" i="1" dirty="0">
+                        <a:rPr lang="ru-RU" sz="2000" i="0" dirty="0">
                           <a:latin typeface="GOST type A" panose="020B0500000000000000" pitchFamily="34" charset="0"/>
                         </a:rPr>
                         <a:t>7</a:t>
@@ -6848,7 +6848,7 @@
                         </a:spcAft>
                       </a:pPr>
                       <a:r>
-                        <a:rPr lang="ru-RU" sz="2000" b="0" i="1" dirty="0">
+                        <a:rPr lang="ru-RU" sz="2000" b="0" i="0" dirty="0">
                           <a:solidFill>
                             <a:schemeClr val="tx1"/>
                           </a:solidFill>
@@ -6859,7 +6859,7 @@
                         <a:t>Кабель </a:t>
                       </a:r>
                       <a:r>
-                        <a:rPr lang="ru-RU" sz="2000" b="0" i="1" dirty="0" err="1">
+                        <a:rPr lang="ru-RU" sz="2000" b="0" i="0" dirty="0" err="1">
                           <a:solidFill>
                             <a:schemeClr val="tx1"/>
                           </a:solidFill>
@@ -6870,7 +6870,7 @@
                         <a:t>PROconnect</a:t>
                       </a:r>
                       <a:r>
-                        <a:rPr lang="ru-RU" sz="2000" b="0" i="1" dirty="0">
+                        <a:rPr lang="ru-RU" sz="2000" b="0" i="0" dirty="0">
                           <a:solidFill>
                             <a:schemeClr val="tx1"/>
                           </a:solidFill>
@@ -6880,7 +6880,7 @@
                         </a:rPr>
                         <a:t> витая пара UTP 2PR 24AWG, CAT5e,</a:t>
                       </a:r>
-                      <a:endParaRPr lang="ru-RU" sz="2000" b="0" i="1" dirty="0">
+                      <a:endParaRPr lang="ru-RU" sz="2000" b="0" i="0" dirty="0">
                         <a:solidFill>
                           <a:schemeClr val="tx1"/>
                         </a:solidFill>
@@ -6944,7 +6944,7 @@
                         </a:spcAft>
                       </a:pPr>
                       <a:r>
-                        <a:rPr lang="ru-RU" sz="2000" b="0" i="1" dirty="0">
+                        <a:rPr lang="ru-RU" sz="2000" b="0" i="0" dirty="0">
                           <a:solidFill>
                             <a:schemeClr val="tx1"/>
                           </a:solidFill>
@@ -7021,7 +7021,7 @@
                         <a:defRPr/>
                       </a:pPr>
                       <a:r>
-                        <a:rPr lang="en-US" sz="2000" b="0" i="1" dirty="0" err="1">
+                        <a:rPr lang="en-US" sz="2000" b="0" i="0" dirty="0" err="1">
                           <a:solidFill>
                             <a:schemeClr val="tx1"/>
                           </a:solidFill>
@@ -7031,7 +7031,7 @@
                         </a:rPr>
                         <a:t>PROconnect</a:t>
                       </a:r>
-                      <a:endParaRPr lang="ru-RU" sz="2000" b="0" i="1" dirty="0">
+                      <a:endParaRPr lang="ru-RU" sz="2000" b="0" i="0" dirty="0">
                         <a:solidFill>
                           <a:schemeClr val="tx1"/>
                         </a:solidFill>
@@ -7091,7 +7091,7 @@
                     <a:p>
                       <a:pPr algn="ctr"/>
                       <a:r>
-                        <a:rPr lang="ru-RU" sz="2000" b="0" i="1" dirty="0">
+                        <a:rPr lang="ru-RU" sz="2000" b="0" i="0" dirty="0">
                           <a:solidFill>
                             <a:schemeClr val="tx1"/>
                           </a:solidFill>
@@ -7101,7 +7101,7 @@
                         </a:rPr>
                         <a:t>415</a:t>
                       </a:r>
-                      <a:endParaRPr lang="ru-RU" sz="2000" i="1" dirty="0">
+                      <a:endParaRPr lang="ru-RU" sz="2000" i="0" dirty="0">
                         <a:latin typeface="GOST type A" panose="020B0500000000000000" pitchFamily="34" charset="0"/>
                       </a:endParaRPr>
                     </a:p>
@@ -7155,7 +7155,7 @@
                     <a:p>
                       <a:pPr algn="ctr"/>
                       <a:r>
-                        <a:rPr lang="ru-RU" sz="2000" i="1" dirty="0">
+                        <a:rPr lang="ru-RU" sz="2000" i="0" dirty="0">
                           <a:latin typeface="GOST type A" panose="020B0500000000000000" pitchFamily="34" charset="0"/>
                         </a:rPr>
                         <a:t>метр</a:t>
@@ -7305,7 +7305,7 @@
           <p:nvPr>
             <p:extLst>
               <p:ext uri="{D42A27DB-BD31-4B8C-83A1-F6EECF244321}">
-                <p14:modId xmlns:p14="http://schemas.microsoft.com/office/powerpoint/2010/main" val="3261405087"/>
+                <p14:modId xmlns:p14="http://schemas.microsoft.com/office/powerpoint/2010/main" val="4210269145"/>
               </p:ext>
             </p:extLst>
           </p:nvPr>
@@ -7372,7 +7372,7 @@
                     <a:p>
                       <a:pPr algn="ctr"/>
                       <a:r>
-                        <a:rPr lang="ru-RU" sz="2000" i="1" dirty="0">
+                        <a:rPr lang="ru-RU" sz="2000" i="0" dirty="0">
                           <a:latin typeface="GOST type A" panose="020B0500000000000000" pitchFamily="34" charset="0"/>
                         </a:rPr>
                         <a:t>8</a:t>
@@ -7428,7 +7428,7 @@
                     <a:p>
                       <a:pPr algn="ctr"/>
                       <a:r>
-                        <a:rPr lang="ru-RU" sz="2000" b="0" i="1" dirty="0">
+                        <a:rPr lang="ru-RU" sz="2000" b="0" i="0" dirty="0">
                           <a:solidFill>
                             <a:schemeClr val="tx1"/>
                           </a:solidFill>
@@ -7438,7 +7438,7 @@
                         </a:rPr>
                         <a:t>Коммутационный шнур RJ 45 – категория 5е U/UTP PVC неэкранированный 2 м</a:t>
                       </a:r>
-                      <a:endParaRPr lang="ru-RU" sz="2000" b="0" i="1" dirty="0">
+                      <a:endParaRPr lang="ru-RU" sz="2000" b="0" i="0" dirty="0">
                         <a:solidFill>
                           <a:schemeClr val="tx1"/>
                         </a:solidFill>
@@ -7495,7 +7495,7 @@
                     <a:p>
                       <a:pPr algn="ctr"/>
                       <a:r>
-                        <a:rPr lang="en-US" sz="2000" b="0" i="1" dirty="0">
+                        <a:rPr lang="en-US" sz="2000" b="0" i="0" dirty="0">
                           <a:solidFill>
                             <a:schemeClr val="tx1"/>
                           </a:solidFill>
@@ -7505,7 +7505,7 @@
                         </a:rPr>
                         <a:t>AWG</a:t>
                       </a:r>
-                      <a:endParaRPr lang="ru-RU" sz="2000" b="0" i="1" dirty="0">
+                      <a:endParaRPr lang="ru-RU" sz="2000" b="0" i="0" dirty="0">
                         <a:solidFill>
                           <a:schemeClr val="tx1"/>
                         </a:solidFill>
@@ -7562,7 +7562,7 @@
                     <a:p>
                       <a:pPr algn="ctr"/>
                       <a:r>
-                        <a:rPr lang="ru-RU" sz="2000" b="0" i="1" dirty="0" err="1">
+                        <a:rPr lang="ru-RU" sz="2000" b="0" i="0" dirty="0" err="1">
                           <a:solidFill>
                             <a:schemeClr val="tx1"/>
                           </a:solidFill>
@@ -7572,7 +7572,7 @@
                         </a:rPr>
                         <a:t>Legrand</a:t>
                       </a:r>
-                      <a:endParaRPr lang="ru-RU" sz="2000" b="0" i="1" dirty="0">
+                      <a:endParaRPr lang="ru-RU" sz="2000" b="0" i="0" dirty="0">
                         <a:solidFill>
                           <a:schemeClr val="tx1"/>
                         </a:solidFill>
@@ -7629,7 +7629,7 @@
                     <a:p>
                       <a:pPr algn="ctr"/>
                       <a:r>
-                        <a:rPr lang="ru-RU" sz="2000" b="0" i="1" dirty="0">
+                        <a:rPr lang="ru-RU" sz="2000" b="0" i="0" dirty="0">
                           <a:solidFill>
                             <a:schemeClr val="tx1"/>
                           </a:solidFill>
@@ -7639,7 +7639,7 @@
                         </a:rPr>
                         <a:t>20</a:t>
                       </a:r>
-                      <a:endParaRPr lang="ru-RU" sz="2000" b="0" i="1" dirty="0">
+                      <a:endParaRPr lang="ru-RU" sz="2000" b="0" i="0" dirty="0">
                         <a:solidFill>
                           <a:schemeClr val="tx1"/>
                         </a:solidFill>
@@ -7696,7 +7696,7 @@
                     <a:p>
                       <a:pPr algn="ctr"/>
                       <a:r>
-                        <a:rPr lang="ru-RU" sz="2000" b="0" i="1" dirty="0">
+                        <a:rPr lang="ru-RU" sz="2000" b="0" i="0" dirty="0">
                           <a:solidFill>
                             <a:schemeClr val="tx1"/>
                           </a:solidFill>
@@ -7762,7 +7762,7 @@
                     <a:p>
                       <a:pPr algn="ctr"/>
                       <a:r>
-                        <a:rPr lang="ru-RU" sz="2000" i="1" dirty="0">
+                        <a:rPr lang="ru-RU" sz="2000" i="0" dirty="0">
                           <a:latin typeface="GOST type A" panose="020B0500000000000000" pitchFamily="34" charset="0"/>
                         </a:rPr>
                         <a:t>9</a:t>
@@ -7822,7 +7822,7 @@
                         </a:spcAft>
                       </a:pPr>
                       <a:r>
-                        <a:rPr lang="ru-RU" sz="2000" i="1" dirty="0">
+                        <a:rPr lang="ru-RU" sz="2000" i="0" dirty="0">
                           <a:solidFill>
                             <a:schemeClr val="tx1"/>
                           </a:solidFill>
@@ -7841,7 +7841,7 @@
                         </a:spcAft>
                       </a:pPr>
                       <a:r>
-                        <a:rPr lang="en-US" sz="2000" i="1" dirty="0" err="1">
+                        <a:rPr lang="en-US" sz="2000" i="0" dirty="0" err="1">
                           <a:solidFill>
                             <a:schemeClr val="tx1"/>
                           </a:solidFill>
@@ -7853,7 +7853,7 @@
                         <a:t>Luxar</a:t>
                       </a:r>
                       <a:r>
-                        <a:rPr lang="en-US" sz="2000" i="1" dirty="0">
+                        <a:rPr lang="en-US" sz="2000" i="0" dirty="0">
                           <a:solidFill>
                             <a:schemeClr val="tx1"/>
                           </a:solidFill>
@@ -7865,7 +7865,7 @@
                         <a:t> Deco </a:t>
                       </a:r>
                       <a:r>
-                        <a:rPr lang="ru-RU" sz="2000" i="1" dirty="0">
+                        <a:rPr lang="ru-RU" sz="2000" i="0" dirty="0">
                           <a:solidFill>
                             <a:schemeClr val="tx1"/>
                           </a:solidFill>
@@ -7931,7 +7931,7 @@
                         </a:spcAft>
                       </a:pPr>
                       <a:r>
-                        <a:rPr lang="en-US" sz="2000" i="1" dirty="0">
+                        <a:rPr lang="en-US" sz="2000" i="0" dirty="0">
                           <a:solidFill>
                             <a:schemeClr val="tx1"/>
                           </a:solidFill>
@@ -7942,7 +7942,7 @@
                         </a:rPr>
                         <a:t>Deco</a:t>
                       </a:r>
-                      <a:endParaRPr lang="ru-RU" sz="2000" i="1" dirty="0">
+                      <a:endParaRPr lang="ru-RU" sz="2000" i="0" dirty="0">
                         <a:solidFill>
                           <a:schemeClr val="tx1"/>
                         </a:solidFill>
@@ -8006,7 +8006,7 @@
                         </a:spcAft>
                       </a:pPr>
                       <a:r>
-                        <a:rPr lang="en-US" sz="2000" i="1" dirty="0" err="1">
+                        <a:rPr lang="en-US" sz="2000" i="0" dirty="0" err="1">
                           <a:solidFill>
                             <a:schemeClr val="tx1"/>
                           </a:solidFill>
@@ -8017,7 +8017,7 @@
                         </a:rPr>
                         <a:t>Luxar</a:t>
                       </a:r>
-                      <a:endParaRPr lang="ru-RU" sz="2000" i="1" dirty="0">
+                      <a:endParaRPr lang="ru-RU" sz="2000" i="0" dirty="0">
                         <a:solidFill>
                           <a:schemeClr val="tx1"/>
                         </a:solidFill>
@@ -8077,7 +8077,7 @@
                     <a:p>
                       <a:pPr algn="ctr"/>
                       <a:r>
-                        <a:rPr lang="en-US" sz="2000" i="1" dirty="0">
+                        <a:rPr lang="en-US" sz="2000" i="0" dirty="0">
                           <a:solidFill>
                             <a:schemeClr val="tx1"/>
                           </a:solidFill>
@@ -8085,7 +8085,7 @@
                         </a:rPr>
                         <a:t>19</a:t>
                       </a:r>
-                      <a:endParaRPr lang="ru-RU" sz="2000" i="1" dirty="0">
+                      <a:endParaRPr lang="ru-RU" sz="2000" i="0" dirty="0">
                         <a:solidFill>
                           <a:schemeClr val="tx1"/>
                         </a:solidFill>
@@ -8142,7 +8142,7 @@
                     <a:p>
                       <a:pPr algn="ctr"/>
                       <a:r>
-                        <a:rPr lang="ru-RU" sz="2000" i="1" dirty="0">
+                        <a:rPr lang="ru-RU" sz="2000" i="0" dirty="0">
                           <a:solidFill>
                             <a:schemeClr val="tx1"/>
                           </a:solidFill>
@@ -8208,7 +8208,7 @@
                     <a:p>
                       <a:pPr algn="ctr"/>
                       <a:r>
-                        <a:rPr lang="ru-RU" sz="2000" i="1" dirty="0">
+                        <a:rPr lang="ru-RU" sz="2000" i="0" dirty="0">
                           <a:latin typeface="GOST type A" panose="020B0500000000000000" pitchFamily="34" charset="0"/>
                         </a:rPr>
                         <a:t>10</a:t>
@@ -8280,7 +8280,7 @@
                         <a:defRPr/>
                       </a:pPr>
                       <a:r>
-                        <a:rPr lang="ru-RU" sz="2000" i="1" dirty="0">
+                        <a:rPr lang="ru-RU" sz="2000" i="0" dirty="0">
                           <a:solidFill>
                             <a:schemeClr val="tx1"/>
                           </a:solidFill>
@@ -8311,7 +8311,7 @@
                         <a:defRPr/>
                       </a:pPr>
                       <a:r>
-                        <a:rPr lang="en-US" sz="2000" i="1" dirty="0" err="1">
+                        <a:rPr lang="en-US" sz="2000" i="0" dirty="0" err="1">
                           <a:solidFill>
                             <a:schemeClr val="tx1"/>
                           </a:solidFill>
@@ -8323,7 +8323,7 @@
                         <a:t>Luxar</a:t>
                       </a:r>
                       <a:r>
-                        <a:rPr lang="en-US" sz="2000" i="1" dirty="0">
+                        <a:rPr lang="en-US" sz="2000" i="0" dirty="0">
                           <a:solidFill>
                             <a:schemeClr val="tx1"/>
                           </a:solidFill>
@@ -8335,7 +8335,7 @@
                         <a:t> Deco</a:t>
                       </a:r>
                       <a:r>
-                        <a:rPr lang="ru-RU" sz="2000" i="1" dirty="0">
+                        <a:rPr lang="ru-RU" sz="2000" i="0" dirty="0">
                           <a:solidFill>
                             <a:schemeClr val="tx1"/>
                           </a:solidFill>
@@ -8347,7 +8347,7 @@
                         <a:t> </a:t>
                       </a:r>
                       <a:r>
-                        <a:rPr lang="ru-RU" sz="2000" i="1" dirty="0" err="1">
+                        <a:rPr lang="ru-RU" sz="2000" i="0" dirty="0" err="1">
                           <a:solidFill>
                             <a:schemeClr val="tx1"/>
                           </a:solidFill>
@@ -8358,7 +8358,7 @@
                         </a:rPr>
                         <a:t>венге</a:t>
                       </a:r>
-                      <a:endParaRPr lang="ru-RU" sz="2000" i="1" dirty="0">
+                      <a:endParaRPr lang="ru-RU" sz="2000" i="0" dirty="0">
                         <a:solidFill>
                           <a:schemeClr val="tx1"/>
                         </a:solidFill>
@@ -8422,7 +8422,7 @@
                         </a:spcAft>
                       </a:pPr>
                       <a:r>
-                        <a:rPr lang="en-US" sz="2000" i="1" dirty="0">
+                        <a:rPr lang="en-US" sz="2000" i="0" dirty="0">
                           <a:solidFill>
                             <a:schemeClr val="tx1"/>
                           </a:solidFill>
@@ -8433,7 +8433,7 @@
                         </a:rPr>
                         <a:t>Deco</a:t>
                       </a:r>
-                      <a:endParaRPr lang="ru-RU" sz="2000" i="1" dirty="0">
+                      <a:endParaRPr lang="ru-RU" sz="2000" i="0" dirty="0">
                         <a:solidFill>
                           <a:schemeClr val="tx1"/>
                         </a:solidFill>
@@ -8497,7 +8497,7 @@
                         </a:spcAft>
                       </a:pPr>
                       <a:r>
-                        <a:rPr lang="en-US" sz="2000" i="1" dirty="0" err="1">
+                        <a:rPr lang="en-US" sz="2000" i="0" dirty="0" err="1">
                           <a:solidFill>
                             <a:schemeClr val="tx1"/>
                           </a:solidFill>
@@ -8508,7 +8508,7 @@
                         </a:rPr>
                         <a:t>Luxar</a:t>
                       </a:r>
-                      <a:endParaRPr lang="ru-RU" sz="2000" i="1" dirty="0">
+                      <a:endParaRPr lang="ru-RU" sz="2000" i="0" dirty="0">
                         <a:solidFill>
                           <a:schemeClr val="tx1"/>
                         </a:solidFill>
@@ -8568,7 +8568,7 @@
                     <a:p>
                       <a:pPr algn="ctr"/>
                       <a:r>
-                        <a:rPr lang="ru-RU" sz="2000" i="1" dirty="0">
+                        <a:rPr lang="ru-RU" sz="2000" i="0" dirty="0">
                           <a:solidFill>
                             <a:schemeClr val="tx1"/>
                           </a:solidFill>
@@ -8627,7 +8627,7 @@
                     <a:p>
                       <a:pPr algn="ctr"/>
                       <a:r>
-                        <a:rPr lang="ru-RU" sz="2000" i="1" dirty="0">
+                        <a:rPr lang="ru-RU" sz="2000" i="0" dirty="0">
                           <a:solidFill>
                             <a:schemeClr val="tx1"/>
                           </a:solidFill>
@@ -8693,7 +8693,7 @@
                     <a:p>
                       <a:pPr algn="ctr"/>
                       <a:r>
-                        <a:rPr lang="ru-RU" sz="2000" i="1" dirty="0">
+                        <a:rPr lang="ru-RU" sz="2000" i="0" dirty="0">
                           <a:latin typeface="GOST type A" panose="020B0500000000000000" pitchFamily="34" charset="0"/>
                         </a:rPr>
                         <a:t>11</a:t>
@@ -8765,7 +8765,7 @@
                         <a:defRPr/>
                       </a:pPr>
                       <a:r>
-                        <a:rPr lang="ru-RU" sz="2000" i="1" dirty="0">
+                        <a:rPr lang="ru-RU" sz="2000" i="0" dirty="0">
                           <a:solidFill>
                             <a:schemeClr val="tx1"/>
                           </a:solidFill>
@@ -8775,7 +8775,7 @@
                         </a:rPr>
                         <a:t>Кабель-канал 40х40 белый</a:t>
                       </a:r>
-                      <a:endParaRPr lang="ru-RU" sz="2000" i="1" dirty="0">
+                      <a:endParaRPr lang="ru-RU" sz="2000" i="0" dirty="0">
                         <a:solidFill>
                           <a:schemeClr val="tx1"/>
                         </a:solidFill>
@@ -8838,7 +8838,7 @@
                           <a:spcPts val="0"/>
                         </a:spcAft>
                       </a:pPr>
-                      <a:endParaRPr lang="ru-RU" sz="2000" i="1" dirty="0">
+                      <a:endParaRPr lang="ru-RU" sz="2000" i="0" dirty="0">
                         <a:solidFill>
                           <a:schemeClr val="tx1"/>
                         </a:solidFill>
@@ -8902,7 +8902,7 @@
                         </a:spcAft>
                       </a:pPr>
                       <a:r>
-                        <a:rPr lang="ru-RU" sz="2000" i="1" dirty="0" err="1">
+                        <a:rPr lang="ru-RU" sz="2000" i="0" dirty="0" err="1">
                           <a:solidFill>
                             <a:schemeClr val="tx1"/>
                           </a:solidFill>
@@ -8913,7 +8913,7 @@
                         <a:t>Leiden</a:t>
                       </a:r>
                       <a:r>
-                        <a:rPr lang="ru-RU" sz="2000" i="1" dirty="0">
+                        <a:rPr lang="ru-RU" sz="2000" i="0" dirty="0">
                           <a:solidFill>
                             <a:schemeClr val="tx1"/>
                           </a:solidFill>
@@ -8924,7 +8924,7 @@
                         <a:t> </a:t>
                       </a:r>
                       <a:r>
-                        <a:rPr lang="ru-RU" sz="2000" i="1" dirty="0" err="1">
+                        <a:rPr lang="ru-RU" sz="2000" i="0" dirty="0" err="1">
                           <a:solidFill>
                             <a:schemeClr val="tx1"/>
                           </a:solidFill>
@@ -8934,7 +8934,7 @@
                         </a:rPr>
                         <a:t>Electric</a:t>
                       </a:r>
-                      <a:endParaRPr lang="ru-RU" sz="2000" i="1" dirty="0">
+                      <a:endParaRPr lang="ru-RU" sz="2000" i="0" dirty="0">
                         <a:solidFill>
                           <a:schemeClr val="tx1"/>
                         </a:solidFill>
@@ -8994,7 +8994,7 @@
                     <a:p>
                       <a:pPr algn="ctr"/>
                       <a:r>
-                        <a:rPr lang="ru-RU" sz="2000" i="1" dirty="0">
+                        <a:rPr lang="ru-RU" sz="2000" i="0" dirty="0">
                           <a:solidFill>
                             <a:schemeClr val="tx1"/>
                           </a:solidFill>
@@ -9004,7 +9004,7 @@
                         </a:rPr>
                         <a:t>34</a:t>
                       </a:r>
-                      <a:endParaRPr lang="ru-RU" sz="2000" i="1" dirty="0">
+                      <a:endParaRPr lang="ru-RU" sz="2000" i="0" dirty="0">
                         <a:solidFill>
                           <a:schemeClr val="tx1"/>
                         </a:solidFill>
@@ -9061,7 +9061,7 @@
                     <a:p>
                       <a:pPr algn="ctr"/>
                       <a:r>
-                        <a:rPr lang="ru-RU" sz="2000" i="1" dirty="0">
+                        <a:rPr lang="ru-RU" sz="2000" i="0" dirty="0">
                           <a:solidFill>
                             <a:schemeClr val="tx1"/>
                           </a:solidFill>
@@ -9127,7 +9127,7 @@
                     <a:p>
                       <a:pPr algn="ctr"/>
                       <a:r>
-                        <a:rPr lang="ru-RU" sz="2000" i="1" dirty="0">
+                        <a:rPr lang="ru-RU" sz="2000" i="0" dirty="0">
                           <a:latin typeface="GOST type A" panose="020B0500000000000000" pitchFamily="34" charset="0"/>
                         </a:rPr>
                         <a:t>12</a:t>
@@ -9199,7 +9199,7 @@
                         <a:defRPr/>
                       </a:pPr>
                       <a:r>
-                        <a:rPr lang="ru-RU" sz="2000" i="1" dirty="0">
+                        <a:rPr lang="ru-RU" sz="2000" i="0" dirty="0">
                           <a:solidFill>
                             <a:schemeClr val="tx1"/>
                           </a:solidFill>
@@ -9209,7 +9209,7 @@
                         </a:rPr>
                         <a:t>Кабель-канал ПВХ 20х20 мм цвет белый</a:t>
                       </a:r>
-                      <a:endParaRPr lang="ru-RU" sz="2000" i="1" dirty="0">
+                      <a:endParaRPr lang="ru-RU" sz="2000" i="0" dirty="0">
                         <a:solidFill>
                           <a:schemeClr val="tx1"/>
                         </a:solidFill>
@@ -9272,7 +9272,7 @@
                           <a:spcPts val="0"/>
                         </a:spcAft>
                       </a:pPr>
-                      <a:endParaRPr lang="ru-RU" sz="2000" i="1" dirty="0">
+                      <a:endParaRPr lang="ru-RU" sz="2000" i="0" dirty="0">
                         <a:solidFill>
                           <a:schemeClr val="tx1"/>
                         </a:solidFill>
@@ -9336,7 +9336,7 @@
                         </a:spcAft>
                       </a:pPr>
                       <a:r>
-                        <a:rPr lang="ru-RU" sz="2000" i="1" dirty="0" err="1">
+                        <a:rPr lang="ru-RU" sz="2000" i="0" dirty="0" err="1">
                           <a:solidFill>
                             <a:schemeClr val="tx1"/>
                           </a:solidFill>
@@ -9346,7 +9346,7 @@
                         </a:rPr>
                         <a:t>Kopos</a:t>
                       </a:r>
-                      <a:endParaRPr lang="ru-RU" sz="2000" i="1" dirty="0">
+                      <a:endParaRPr lang="ru-RU" sz="2000" i="0" dirty="0">
                         <a:solidFill>
                           <a:schemeClr val="tx1"/>
                         </a:solidFill>
@@ -9405,7 +9405,7 @@
                     <a:p>
                       <a:pPr algn="ctr"/>
                       <a:r>
-                        <a:rPr lang="ru-RU" sz="2000" i="1" dirty="0">
+                        <a:rPr lang="ru-RU" sz="2000" i="0" dirty="0">
                           <a:solidFill>
                             <a:schemeClr val="tx1"/>
                           </a:solidFill>
@@ -9415,7 +9415,7 @@
                         </a:rPr>
                         <a:t>50</a:t>
                       </a:r>
-                      <a:endParaRPr lang="ru-RU" sz="2000" i="1" dirty="0">
+                      <a:endParaRPr lang="ru-RU" sz="2000" i="0" dirty="0">
                         <a:solidFill>
                           <a:schemeClr val="tx1"/>
                         </a:solidFill>
@@ -9472,7 +9472,7 @@
                     <a:p>
                       <a:pPr algn="ctr"/>
                       <a:r>
-                        <a:rPr lang="ru-RU" sz="2000" i="1" dirty="0">
+                        <a:rPr lang="ru-RU" sz="2000" i="0" dirty="0">
                           <a:solidFill>
                             <a:schemeClr val="tx1"/>
                           </a:solidFill>
@@ -9538,7 +9538,7 @@
                     <a:p>
                       <a:pPr algn="ctr"/>
                       <a:r>
-                        <a:rPr lang="ru-RU" sz="2000" i="1" dirty="0">
+                        <a:rPr lang="ru-RU" sz="2000" i="0" dirty="0">
                           <a:latin typeface="GOST type A" panose="020B0500000000000000" pitchFamily="34" charset="0"/>
                         </a:rPr>
                         <a:t>13</a:t>
@@ -9610,7 +9610,7 @@
                         <a:defRPr/>
                       </a:pPr>
                       <a:r>
-                        <a:rPr lang="ru-RU" sz="2000" i="1" dirty="0">
+                        <a:rPr lang="ru-RU" sz="2000" i="0" dirty="0">
                           <a:solidFill>
                             <a:schemeClr val="tx1"/>
                           </a:solidFill>
@@ -9620,7 +9620,7 @@
                         </a:rPr>
                         <a:t>NT CO-D6 VA B Кабельный органайзер</a:t>
                       </a:r>
-                      <a:endParaRPr lang="ru-RU" sz="2000" i="1" dirty="0">
+                      <a:endParaRPr lang="ru-RU" sz="2000" i="0" dirty="0">
                         <a:solidFill>
                           <a:schemeClr val="tx1"/>
                         </a:solidFill>
@@ -9679,7 +9679,7 @@
                     <a:lstStyle/>
                     <a:p>
                       <a:pPr algn="ctr"/>
-                      <a:endParaRPr lang="ru-RU" sz="2000" i="1" dirty="0">
+                      <a:endParaRPr lang="ru-RU" sz="2000" i="0" dirty="0">
                         <a:solidFill>
                           <a:schemeClr val="tx1"/>
                         </a:solidFill>
@@ -9736,7 +9736,7 @@
                     <a:p>
                       <a:pPr algn="ctr"/>
                       <a:r>
-                        <a:rPr lang="ru-RU" sz="2000" i="1" dirty="0">
+                        <a:rPr lang="ru-RU" sz="2000" i="0" dirty="0">
                           <a:solidFill>
                             <a:schemeClr val="tx1"/>
                           </a:solidFill>
@@ -9746,7 +9746,7 @@
                         </a:rPr>
                         <a:t>NT</a:t>
                       </a:r>
-                      <a:endParaRPr lang="ru-RU" sz="2000" i="1" dirty="0">
+                      <a:endParaRPr lang="ru-RU" sz="2000" i="0" dirty="0">
                         <a:solidFill>
                           <a:schemeClr val="tx1"/>
                         </a:solidFill>
@@ -9803,13 +9803,13 @@
                     <a:p>
                       <a:pPr algn="ctr"/>
                       <a:r>
-                        <a:rPr lang="ru-RU" sz="2000" i="1" dirty="0">
+                        <a:rPr lang="ru-RU" sz="2000" i="0" dirty="0">
                           <a:solidFill>
                             <a:schemeClr val="tx1"/>
                           </a:solidFill>
                           <a:latin typeface="GOST type A" panose="020B0500000000000000" pitchFamily="34" charset="0"/>
                         </a:rPr>
-                        <a:t>6</a:t>
+                        <a:t>2</a:t>
                       </a:r>
                     </a:p>
                   </a:txBody>
@@ -9862,7 +9862,7 @@
                     <a:p>
                       <a:pPr algn="ctr"/>
                       <a:r>
-                        <a:rPr lang="ru-RU" sz="2000" i="1" dirty="0">
+                        <a:rPr lang="ru-RU" sz="2000" i="0" dirty="0">
                           <a:solidFill>
                             <a:schemeClr val="tx1"/>
                           </a:solidFill>
@@ -9928,7 +9928,7 @@
                     <a:p>
                       <a:pPr algn="ctr"/>
                       <a:r>
-                        <a:rPr lang="ru-RU" sz="2000" i="1" dirty="0">
+                        <a:rPr lang="ru-RU" sz="2000" i="0" dirty="0">
                           <a:latin typeface="GOST type A" panose="020B0500000000000000" pitchFamily="34" charset="0"/>
                         </a:rPr>
                         <a:t>14</a:t>
@@ -10000,7 +10000,7 @@
                         <a:defRPr/>
                       </a:pPr>
                       <a:r>
-                        <a:rPr lang="ru-RU" sz="2000" i="1" dirty="0">
+                        <a:rPr lang="ru-RU" sz="2000" i="0" dirty="0">
                           <a:solidFill>
                             <a:schemeClr val="tx1"/>
                           </a:solidFill>
@@ -10010,7 +10010,7 @@
                         </a:rPr>
                         <a:t>ДКС FC5010 Проволочный лоток 100х50</a:t>
                       </a:r>
-                      <a:endParaRPr lang="ru-RU" sz="2000" i="1" dirty="0">
+                      <a:endParaRPr lang="ru-RU" sz="2000" i="0" dirty="0">
                         <a:solidFill>
                           <a:schemeClr val="tx1"/>
                         </a:solidFill>
@@ -10069,7 +10069,7 @@
                     <a:lstStyle/>
                     <a:p>
                       <a:pPr algn="ctr"/>
-                      <a:endParaRPr lang="ru-RU" sz="2000" i="1" dirty="0">
+                      <a:endParaRPr lang="ru-RU" sz="2000" i="0" dirty="0">
                         <a:solidFill>
                           <a:schemeClr val="tx1"/>
                         </a:solidFill>
@@ -10126,7 +10126,7 @@
                     <a:p>
                       <a:pPr algn="ctr"/>
                       <a:r>
-                        <a:rPr lang="ru-RU" sz="2000" i="1" dirty="0">
+                        <a:rPr lang="ru-RU" sz="2000" i="0" dirty="0">
                           <a:solidFill>
                             <a:schemeClr val="tx1"/>
                           </a:solidFill>
@@ -10136,7 +10136,7 @@
                         </a:rPr>
                         <a:t>ДКС</a:t>
                       </a:r>
-                      <a:endParaRPr lang="ru-RU" sz="2000" i="1" dirty="0">
+                      <a:endParaRPr lang="ru-RU" sz="2000" i="0" dirty="0">
                         <a:solidFill>
                           <a:schemeClr val="tx1"/>
                         </a:solidFill>
@@ -10193,7 +10193,7 @@
                     <a:p>
                       <a:pPr algn="ctr"/>
                       <a:r>
-                        <a:rPr lang="ru-RU" sz="2000" i="1" dirty="0">
+                        <a:rPr lang="ru-RU" sz="2000" i="0" dirty="0">
                           <a:solidFill>
                             <a:schemeClr val="tx1"/>
                           </a:solidFill>
@@ -10252,7 +10252,7 @@
                     <a:p>
                       <a:pPr algn="ctr"/>
                       <a:r>
-                        <a:rPr lang="ru-RU" sz="2000" i="1" dirty="0">
+                        <a:rPr lang="ru-RU" sz="2000" i="0" dirty="0">
                           <a:solidFill>
                             <a:schemeClr val="tx1"/>
                           </a:solidFill>
@@ -10318,7 +10318,7 @@
                     <a:p>
                       <a:pPr algn="ctr"/>
                       <a:r>
-                        <a:rPr lang="ru-RU" sz="2000" i="1" dirty="0">
+                        <a:rPr lang="ru-RU" sz="2000" i="0" dirty="0">
                           <a:latin typeface="GOST type A" panose="020B0500000000000000" pitchFamily="34" charset="0"/>
                         </a:rPr>
                         <a:t>15</a:t>
@@ -10378,7 +10378,7 @@
                         </a:spcAft>
                       </a:pPr>
                       <a:r>
-                        <a:rPr lang="ru-RU" sz="2000" i="1" kern="1200" dirty="0">
+                        <a:rPr lang="ru-RU" sz="2000" i="0" kern="1200" dirty="0">
                           <a:solidFill>
                             <a:schemeClr val="tx1"/>
                           </a:solidFill>
@@ -10390,7 +10390,7 @@
                         <a:t>Кросс оптический стоечный КОР-4-У, КРС, ШКОС (4 порта </a:t>
                       </a:r>
                       <a:r>
-                        <a:rPr lang="en-US" sz="2000" i="1" kern="1200" dirty="0">
+                        <a:rPr lang="en-US" sz="2000" i="0" kern="1200" dirty="0">
                           <a:solidFill>
                             <a:schemeClr val="tx1"/>
                           </a:solidFill>
@@ -10402,7 +10402,7 @@
                         <a:t>FC</a:t>
                       </a:r>
                       <a:r>
-                        <a:rPr lang="ru-RU" sz="2000" i="1" kern="1200" dirty="0">
+                        <a:rPr lang="ru-RU" sz="2000" i="0" kern="1200" dirty="0">
                           <a:solidFill>
                             <a:schemeClr val="tx1"/>
                           </a:solidFill>
@@ -10414,7 +10414,7 @@
                         <a:t>, </a:t>
                       </a:r>
                       <a:r>
-                        <a:rPr lang="en-US" sz="2000" i="1" kern="1200" dirty="0">
+                        <a:rPr lang="en-US" sz="2000" i="0" kern="1200" dirty="0">
                           <a:solidFill>
                             <a:schemeClr val="tx1"/>
                           </a:solidFill>
@@ -10426,7 +10426,7 @@
                         <a:t>ST</a:t>
                       </a:r>
                       <a:r>
-                        <a:rPr lang="ru-RU" sz="2000" i="1" kern="1200" dirty="0">
+                        <a:rPr lang="ru-RU" sz="2000" i="0" kern="1200" dirty="0">
                           <a:solidFill>
                             <a:schemeClr val="tx1"/>
                           </a:solidFill>
@@ -10438,7 +10438,7 @@
                         <a:t>, </a:t>
                       </a:r>
                       <a:r>
-                        <a:rPr lang="en-US" sz="2000" i="1" kern="1200" dirty="0">
+                        <a:rPr lang="en-US" sz="2000" i="0" kern="1200" dirty="0">
                           <a:solidFill>
                             <a:schemeClr val="tx1"/>
                           </a:solidFill>
@@ -10450,7 +10450,7 @@
                         <a:t>SC</a:t>
                       </a:r>
                       <a:r>
-                        <a:rPr lang="ru-RU" sz="2000" i="1" kern="1200" dirty="0">
+                        <a:rPr lang="ru-RU" sz="2000" i="0" kern="1200" dirty="0">
                           <a:solidFill>
                             <a:schemeClr val="tx1"/>
                           </a:solidFill>
@@ -10462,7 +10462,7 @@
                         <a:t>, </a:t>
                       </a:r>
                       <a:r>
-                        <a:rPr lang="en-US" sz="2000" i="1" kern="1200" dirty="0">
+                        <a:rPr lang="en-US" sz="2000" i="0" kern="1200" dirty="0">
                           <a:solidFill>
                             <a:schemeClr val="tx1"/>
                           </a:solidFill>
@@ -10474,7 +10474,7 @@
                         <a:t>LC</a:t>
                       </a:r>
                       <a:r>
-                        <a:rPr lang="ru-RU" sz="2000" i="1" kern="1200" dirty="0">
+                        <a:rPr lang="ru-RU" sz="2000" i="0" kern="1200" dirty="0">
                           <a:solidFill>
                             <a:schemeClr val="tx1"/>
                           </a:solidFill>
@@ -10485,7 +10485,7 @@
                         </a:rPr>
                         <a:t>)</a:t>
                       </a:r>
-                      <a:endParaRPr lang="ru-RU" sz="2000" b="0" i="1" dirty="0">
+                      <a:endParaRPr lang="ru-RU" sz="2000" b="0" i="0" dirty="0">
                         <a:solidFill>
                           <a:schemeClr val="tx1"/>
                         </a:solidFill>
@@ -10561,7 +10561,7 @@
                         <a:defRPr/>
                       </a:pPr>
                       <a:r>
-                        <a:rPr lang="ru-RU" sz="2000" i="1" dirty="0">
+                        <a:rPr lang="ru-RU" sz="2000" i="0" dirty="0">
                           <a:solidFill>
                             <a:schemeClr val="tx1"/>
                           </a:solidFill>
@@ -10638,7 +10638,7 @@
                         <a:defRPr/>
                       </a:pPr>
                       <a:r>
-                        <a:rPr lang="ru-RU" sz="2000" i="1" dirty="0">
+                        <a:rPr lang="ru-RU" sz="2000" i="0" dirty="0">
                           <a:solidFill>
                             <a:schemeClr val="tx1"/>
                           </a:solidFill>
@@ -10648,7 +10648,7 @@
                         </a:rPr>
                         <a:t>КРС</a:t>
                       </a:r>
-                      <a:endParaRPr lang="ru-RU" sz="2000" b="0" i="1" dirty="0">
+                      <a:endParaRPr lang="ru-RU" sz="2000" b="0" i="0" dirty="0">
                         <a:solidFill>
                           <a:schemeClr val="tx1"/>
                         </a:solidFill>
@@ -10708,7 +10708,7 @@
                     <a:p>
                       <a:pPr algn="ctr"/>
                       <a:r>
-                        <a:rPr lang="ru-RU" sz="2000" i="1" dirty="0">
+                        <a:rPr lang="ru-RU" sz="2000" i="0" dirty="0">
                           <a:solidFill>
                             <a:schemeClr val="tx1"/>
                           </a:solidFill>
@@ -10767,7 +10767,7 @@
                     <a:p>
                       <a:pPr algn="ctr"/>
                       <a:r>
-                        <a:rPr lang="ru-RU" sz="2000" i="1" dirty="0">
+                        <a:rPr lang="ru-RU" sz="2000" i="0" dirty="0">
                           <a:solidFill>
                             <a:schemeClr val="tx1"/>
                           </a:solidFill>
@@ -10950,7 +10950,7 @@
               </a:spcAft>
             </a:pPr>
             <a:r>
-              <a:rPr lang="ru-RU" i="1" dirty="0">
+              <a:rPr lang="ru-RU" dirty="0">
                 <a:solidFill>
                   <a:srgbClr val="DFD5C9"/>
                 </a:solidFill>
@@ -10968,7 +10968,7 @@
               </a:spcAft>
             </a:pPr>
             <a:r>
-              <a:rPr lang="ru-RU" i="1" dirty="0">
+              <a:rPr lang="ru-RU" dirty="0">
                 <a:solidFill>
                   <a:srgbClr val="DFD5C9"/>
                 </a:solidFill>
@@ -10978,7 +10978,7 @@
               <a:t>Ш</a:t>
             </a:r>
             <a:r>
-              <a:rPr lang="ru-RU" i="1" dirty="0">
+              <a:rPr lang="ru-RU" dirty="0">
                 <a:solidFill>
                   <a:srgbClr val="DFD5C9"/>
                 </a:solidFill>
@@ -10988,7 +10988,7 @@
               </a:rPr>
               <a:t>каф 19 настенный 12U</a:t>
             </a:r>
-            <a:endParaRPr lang="ru-RU" i="1" dirty="0">
+            <a:endParaRPr lang="ru-RU" dirty="0">
               <a:solidFill>
                 <a:srgbClr val="DFD5C9"/>
               </a:solidFill>
@@ -11084,7 +11084,7 @@
           <a:p>
             <a:pPr algn="ctr"/>
             <a:r>
-              <a:rPr lang="ru-RU" i="1" dirty="0" err="1">
+              <a:rPr lang="ru-RU" dirty="0" err="1">
                 <a:solidFill>
                   <a:srgbClr val="DFD5C9"/>
                 </a:solidFill>
@@ -11095,7 +11095,7 @@
               <a:t>Патч</a:t>
             </a:r>
             <a:r>
-              <a:rPr lang="en-US" i="1" dirty="0">
+              <a:rPr lang="en-US" dirty="0">
                 <a:solidFill>
                   <a:srgbClr val="DFD5C9"/>
                 </a:solidFill>
@@ -11106,7 +11106,7 @@
               <a:t>-</a:t>
             </a:r>
             <a:r>
-              <a:rPr lang="ru-RU" i="1" dirty="0">
+              <a:rPr lang="ru-RU" dirty="0">
                 <a:solidFill>
                   <a:srgbClr val="DFD5C9"/>
                 </a:solidFill>
@@ -11117,7 +11117,7 @@
               <a:t>панель</a:t>
             </a:r>
             <a:r>
-              <a:rPr lang="en-US" i="1" dirty="0">
+              <a:rPr lang="en-US" dirty="0">
                 <a:solidFill>
                   <a:srgbClr val="DFD5C9"/>
                 </a:solidFill>
@@ -11128,7 +11128,7 @@
               <a:t> </a:t>
             </a:r>
             <a:r>
-              <a:rPr lang="en-US" i="1" dirty="0" err="1">
+              <a:rPr lang="en-US" dirty="0" err="1">
                 <a:solidFill>
                   <a:srgbClr val="DFD5C9"/>
                 </a:solidFill>
@@ -11139,7 +11139,7 @@
               <a:t>Lanmaster</a:t>
             </a:r>
             <a:r>
-              <a:rPr lang="en-US" i="1" dirty="0">
+              <a:rPr lang="en-US" dirty="0">
                 <a:solidFill>
                   <a:srgbClr val="DFD5C9"/>
                 </a:solidFill>
@@ -11149,7 +11149,7 @@
               </a:rPr>
               <a:t> (TWT-PP24STP) </a:t>
             </a:r>
-            <a:endParaRPr lang="ru-RU" i="1" dirty="0">
+            <a:endParaRPr lang="ru-RU" dirty="0">
               <a:solidFill>
                 <a:srgbClr val="DFD5C9"/>
               </a:solidFill>
@@ -11161,7 +11161,7 @@
           <a:p>
             <a:pPr algn="ctr"/>
             <a:r>
-              <a:rPr lang="en-US" i="1" dirty="0">
+              <a:rPr lang="en-US" dirty="0">
                 <a:solidFill>
                   <a:srgbClr val="DFD5C9"/>
                 </a:solidFill>
@@ -11172,7 +11172,7 @@
               <a:t>19" 1U 24xRJ45 </a:t>
             </a:r>
             <a:r>
-              <a:rPr lang="ru-RU" i="1" dirty="0">
+              <a:rPr lang="ru-RU" dirty="0">
                 <a:solidFill>
                   <a:srgbClr val="DFD5C9"/>
                 </a:solidFill>
@@ -11183,7 +11183,7 @@
               <a:t>кат</a:t>
             </a:r>
             <a:r>
-              <a:rPr lang="en-US" i="1" dirty="0">
+              <a:rPr lang="en-US" dirty="0">
                 <a:solidFill>
                   <a:srgbClr val="DFD5C9"/>
                 </a:solidFill>
@@ -11193,7 +11193,7 @@
               </a:rPr>
               <a:t>.5e FTP</a:t>
             </a:r>
-            <a:endParaRPr lang="ru-RU" i="1" dirty="0">
+            <a:endParaRPr lang="ru-RU" dirty="0">
               <a:solidFill>
                 <a:srgbClr val="DFD5C9"/>
               </a:solidFill>
@@ -11204,7 +11204,7 @@
           </a:p>
           <a:p>
             <a:pPr algn="ctr"/>
-            <a:endParaRPr lang="ru-RU" i="1" dirty="0">
+            <a:endParaRPr lang="ru-RU" dirty="0">
               <a:solidFill>
                 <a:srgbClr val="DFD5C9"/>
               </a:solidFill>
@@ -11297,7 +11297,7 @@
           <a:p>
             <a:pPr algn="ctr"/>
             <a:r>
-              <a:rPr lang="ru-RU" i="1" dirty="0" err="1">
+              <a:rPr lang="ru-RU" dirty="0" err="1">
                 <a:solidFill>
                   <a:srgbClr val="DFD5C9"/>
                 </a:solidFill>
@@ -11308,7 +11308,7 @@
               <a:t>Патч</a:t>
             </a:r>
             <a:r>
-              <a:rPr lang="ru-RU" i="1" dirty="0">
+              <a:rPr lang="ru-RU" dirty="0">
                 <a:solidFill>
                   <a:srgbClr val="DFD5C9"/>
                 </a:solidFill>
@@ -11318,7 +11318,7 @@
               </a:rPr>
               <a:t>-панель 12 портов RJ-45 категория 5е </a:t>
             </a:r>
-            <a:endParaRPr lang="ru-RU" i="1" dirty="0">
+            <a:endParaRPr lang="ru-RU" dirty="0">
               <a:solidFill>
                 <a:srgbClr val="DFD5C9"/>
               </a:solidFill>
@@ -11411,7 +11411,7 @@
           <a:p>
             <a:pPr algn="ctr"/>
             <a:r>
-              <a:rPr lang="ru-RU" i="1" dirty="0">
+              <a:rPr lang="ru-RU" dirty="0">
                 <a:solidFill>
                   <a:srgbClr val="DFD5C9"/>
                 </a:solidFill>
@@ -11421,7 +11421,7 @@
               <a:t>СABEUS</a:t>
             </a:r>
             <a:r>
-              <a:rPr lang="en-US" i="1" dirty="0">
+              <a:rPr lang="en-US" dirty="0">
                 <a:solidFill>
                   <a:srgbClr val="DFD5C9"/>
                 </a:solidFill>
@@ -11431,7 +11431,7 @@
               <a:t> </a:t>
             </a:r>
             <a:r>
-              <a:rPr lang="ru-RU" i="1" dirty="0">
+              <a:rPr lang="ru-RU" dirty="0">
                 <a:solidFill>
                   <a:srgbClr val="DFD5C9"/>
                 </a:solidFill>
@@ -11444,7 +11444,7 @@
           <a:p>
             <a:pPr algn="ctr"/>
             <a:r>
-              <a:rPr lang="ru-RU" i="1" dirty="0">
+              <a:rPr lang="ru-RU" dirty="0">
                 <a:solidFill>
                   <a:srgbClr val="DFD5C9"/>
                 </a:solidFill>
@@ -11456,7 +11456,7 @@
           </a:p>
           <a:p>
             <a:pPr algn="ctr"/>
-            <a:endParaRPr lang="ru-RU" i="1" dirty="0">
+            <a:endParaRPr lang="ru-RU" dirty="0">
               <a:solidFill>
                 <a:srgbClr val="DFD5C9"/>
               </a:solidFill>
@@ -11550,7 +11550,7 @@
           <a:p>
             <a:pPr algn="ctr"/>
             <a:r>
-              <a:rPr lang="ru-RU" i="1" dirty="0">
+              <a:rPr lang="ru-RU" dirty="0">
                 <a:solidFill>
                   <a:srgbClr val="DFD5C9"/>
                 </a:solidFill>
@@ -11559,7 +11559,7 @@
               </a:rPr>
               <a:t>Горизонтальный блок </a:t>
             </a:r>
-            <a:endParaRPr lang="en-US" i="1" dirty="0">
+            <a:endParaRPr lang="en-US" dirty="0">
               <a:solidFill>
                 <a:srgbClr val="DFD5C9"/>
               </a:solidFill>
@@ -11570,7 +11570,7 @@
           <a:p>
             <a:pPr algn="ctr"/>
             <a:r>
-              <a:rPr lang="ru-RU" i="1" dirty="0">
+              <a:rPr lang="ru-RU" dirty="0">
                 <a:solidFill>
                   <a:srgbClr val="DFD5C9"/>
                 </a:solidFill>
@@ -11580,7 +11580,7 @@
               <a:t>розеток </a:t>
             </a:r>
             <a:r>
-              <a:rPr lang="en-US" i="1" dirty="0" err="1">
+              <a:rPr lang="en-US" dirty="0" err="1">
                 <a:solidFill>
                   <a:srgbClr val="DFD5C9"/>
                 </a:solidFill>
@@ -11589,7 +11589,7 @@
               </a:rPr>
               <a:t>Hyperline</a:t>
             </a:r>
-            <a:endParaRPr lang="en-US" i="1" dirty="0">
+            <a:endParaRPr lang="en-US" dirty="0">
               <a:solidFill>
                 <a:srgbClr val="DFD5C9"/>
               </a:solidFill>
@@ -11599,7 +11599,7 @@
           </a:p>
           <a:p>
             <a:pPr algn="ctr"/>
-            <a:endParaRPr lang="ru-RU" i="1" dirty="0">
+            <a:endParaRPr lang="ru-RU" dirty="0">
               <a:solidFill>
                 <a:srgbClr val="DFD5C9"/>
               </a:solidFill>
@@ -11638,7 +11638,7 @@
           <a:p>
             <a:pPr algn="ctr"/>
             <a:r>
-              <a:rPr lang="en-US" i="1" dirty="0">
+              <a:rPr lang="en-US" dirty="0">
                 <a:solidFill>
                   <a:srgbClr val="DFD5C9"/>
                 </a:solidFill>
@@ -11825,7 +11825,7 @@
               </a:spcAft>
             </a:pPr>
             <a:r>
-              <a:rPr lang="ru-RU" i="1" dirty="0">
+              <a:rPr lang="ru-RU" dirty="0">
                 <a:solidFill>
                   <a:srgbClr val="DFD5C9"/>
                 </a:solidFill>
@@ -11834,7 +11834,7 @@
               </a:rPr>
               <a:t>Коммутационный шнур RJ 45 - категория </a:t>
             </a:r>
-            <a:endParaRPr lang="en-US" i="1" dirty="0">
+            <a:endParaRPr lang="en-US" dirty="0">
               <a:solidFill>
                 <a:srgbClr val="DFD5C9"/>
               </a:solidFill>
@@ -11849,7 +11849,7 @@
               </a:spcAft>
             </a:pPr>
             <a:r>
-              <a:rPr lang="ru-RU" i="1" dirty="0">
+              <a:rPr lang="ru-RU" dirty="0">
                 <a:solidFill>
                   <a:srgbClr val="DFD5C9"/>
                 </a:solidFill>
@@ -11895,7 +11895,7 @@
               </a:spcAft>
             </a:pPr>
             <a:r>
-              <a:rPr lang="ru-RU" sz="1800" i="1" dirty="0">
+              <a:rPr lang="ru-RU" sz="1800" dirty="0">
                 <a:solidFill>
                   <a:srgbClr val="DFD5C9"/>
                 </a:solidFill>
@@ -11914,7 +11914,7 @@
               </a:spcAft>
             </a:pPr>
             <a:r>
-              <a:rPr lang="en-US" sz="1800" i="1" dirty="0" err="1">
+              <a:rPr lang="en-US" sz="1800" dirty="0" err="1">
                 <a:solidFill>
                   <a:srgbClr val="DFD5C9"/>
                 </a:solidFill>
@@ -11926,7 +11926,7 @@
               <a:t>Luxar</a:t>
             </a:r>
             <a:r>
-              <a:rPr lang="en-US" sz="1800" i="1" dirty="0">
+              <a:rPr lang="en-US" sz="1800" dirty="0">
                 <a:solidFill>
                   <a:srgbClr val="DFD5C9"/>
                 </a:solidFill>
@@ -11938,7 +11938,7 @@
               <a:t> Deco </a:t>
             </a:r>
             <a:r>
-              <a:rPr lang="ru-RU" sz="1800" i="1" dirty="0">
+              <a:rPr lang="ru-RU" sz="1800" dirty="0">
                 <a:solidFill>
                   <a:srgbClr val="DFD5C9"/>
                 </a:solidFill>
@@ -11950,7 +11950,7 @@
               <a:t>шампань / </a:t>
             </a:r>
             <a:r>
-              <a:rPr lang="ru-RU" sz="1800" i="1" dirty="0" err="1">
+              <a:rPr lang="ru-RU" sz="1800" dirty="0" err="1">
                 <a:solidFill>
                   <a:srgbClr val="DFD5C9"/>
                 </a:solidFill>
@@ -11961,7 +11961,7 @@
               </a:rPr>
               <a:t>венге</a:t>
             </a:r>
-            <a:endParaRPr lang="ru-RU" sz="1800" i="1" dirty="0">
+            <a:endParaRPr lang="ru-RU" sz="1800" dirty="0">
               <a:solidFill>
                 <a:srgbClr val="DFD5C9"/>
               </a:solidFill>
@@ -12057,7 +12057,7 @@
           <a:p>
             <a:pPr algn="ctr"/>
             <a:r>
-              <a:rPr lang="ru-RU" i="1" dirty="0">
+              <a:rPr lang="ru-RU" dirty="0">
                 <a:solidFill>
                   <a:srgbClr val="DFD5C9"/>
                 </a:solidFill>
@@ -12070,7 +12070,7 @@
           <a:p>
             <a:pPr algn="ctr"/>
             <a:r>
-              <a:rPr lang="ru-RU" i="1" dirty="0">
+              <a:rPr lang="ru-RU" dirty="0">
                 <a:solidFill>
                   <a:srgbClr val="DFD5C9"/>
                 </a:solidFill>
@@ -12080,7 +12080,7 @@
               <a:t> КРС, ШКОС (4 порта </a:t>
             </a:r>
             <a:r>
-              <a:rPr lang="en-US" i="1" dirty="0">
+              <a:rPr lang="en-US" dirty="0">
                 <a:solidFill>
                   <a:srgbClr val="DFD5C9"/>
                 </a:solidFill>
@@ -12090,7 +12090,7 @@
               <a:t>FC</a:t>
             </a:r>
             <a:r>
-              <a:rPr lang="ru-RU" i="1" dirty="0">
+              <a:rPr lang="ru-RU" dirty="0">
                 <a:solidFill>
                   <a:srgbClr val="DFD5C9"/>
                 </a:solidFill>
@@ -12100,7 +12100,7 @@
               <a:t>, </a:t>
             </a:r>
             <a:r>
-              <a:rPr lang="en-US" i="1" dirty="0">
+              <a:rPr lang="en-US" dirty="0">
                 <a:solidFill>
                   <a:srgbClr val="DFD5C9"/>
                 </a:solidFill>
@@ -12110,7 +12110,7 @@
               <a:t>ST</a:t>
             </a:r>
             <a:r>
-              <a:rPr lang="ru-RU" i="1" dirty="0">
+              <a:rPr lang="ru-RU" dirty="0">
                 <a:solidFill>
                   <a:srgbClr val="DFD5C9"/>
                 </a:solidFill>
@@ -12120,7 +12120,7 @@
               <a:t>, </a:t>
             </a:r>
             <a:r>
-              <a:rPr lang="en-US" i="1" dirty="0">
+              <a:rPr lang="en-US" dirty="0">
                 <a:solidFill>
                   <a:srgbClr val="DFD5C9"/>
                 </a:solidFill>
@@ -12130,7 +12130,7 @@
               <a:t>SC</a:t>
             </a:r>
             <a:r>
-              <a:rPr lang="ru-RU" i="1" dirty="0">
+              <a:rPr lang="ru-RU" dirty="0">
                 <a:solidFill>
                   <a:srgbClr val="DFD5C9"/>
                 </a:solidFill>
@@ -12140,7 +12140,7 @@
               <a:t>, </a:t>
             </a:r>
             <a:r>
-              <a:rPr lang="en-US" i="1" dirty="0">
+              <a:rPr lang="en-US" dirty="0">
                 <a:solidFill>
                   <a:srgbClr val="DFD5C9"/>
                 </a:solidFill>
@@ -12150,7 +12150,7 @@
               <a:t>LC</a:t>
             </a:r>
             <a:r>
-              <a:rPr lang="ru-RU" i="1" dirty="0">
+              <a:rPr lang="ru-RU" dirty="0">
                 <a:solidFill>
                   <a:srgbClr val="DFD5C9"/>
                 </a:solidFill>
@@ -12246,7 +12246,7 @@
           <a:p>
             <a:pPr algn="ctr"/>
             <a:r>
-              <a:rPr lang="ru-RU" i="1" dirty="0">
+              <a:rPr lang="ru-RU" dirty="0">
                 <a:solidFill>
                   <a:srgbClr val="DFD5C9"/>
                 </a:solidFill>
@@ -12288,7 +12288,7 @@
           <a:p>
             <a:pPr algn="ctr"/>
             <a:r>
-              <a:rPr lang="ru-RU" i="1" dirty="0">
+              <a:rPr lang="ru-RU" dirty="0">
                 <a:solidFill>
                   <a:srgbClr val="DFD5C9"/>
                 </a:solidFill>
@@ -12297,7 +12297,7 @@
               </a:rPr>
               <a:t>NT CO-D6 VA B Кабельный органайзер</a:t>
             </a:r>
-            <a:endParaRPr lang="ru-RU" i="1" dirty="0">
+            <a:endParaRPr lang="ru-RU" dirty="0">
               <a:solidFill>
                 <a:srgbClr val="DFD5C9"/>
               </a:solidFill>
@@ -12472,7 +12472,7 @@
           <a:p>
             <a:pPr algn="ctr"/>
             <a:r>
-              <a:rPr lang="ru-RU" i="1" dirty="0">
+              <a:rPr lang="ru-RU" dirty="0">
                 <a:solidFill>
                   <a:srgbClr val="DFD5C9"/>
                 </a:solidFill>
@@ -12482,7 +12482,7 @@
               </a:rPr>
               <a:t>Кабель UTP 2PR 24AWG cat.5e</a:t>
             </a:r>
-            <a:endParaRPr lang="ru-RU" i="1" dirty="0">
+            <a:endParaRPr lang="ru-RU" dirty="0">
               <a:solidFill>
                 <a:srgbClr val="DFD5C9"/>
               </a:solidFill>
@@ -12750,7 +12750,7 @@
               <a:buNone/>
             </a:pPr>
             <a:r>
-              <a:rPr lang="ru-RU" b="0" i="1" dirty="0">
+              <a:rPr lang="ru-RU" b="0" dirty="0">
                 <a:solidFill>
                   <a:srgbClr val="DFD5C9"/>
                 </a:solidFill>
@@ -12769,7 +12769,7 @@
               <a:buNone/>
             </a:pPr>
             <a:r>
-              <a:rPr lang="ru-RU" b="0" i="1" dirty="0">
+              <a:rPr lang="ru-RU" b="0" dirty="0">
                 <a:solidFill>
                   <a:srgbClr val="DFD5C9"/>
                 </a:solidFill>
@@ -12788,7 +12788,7 @@
               <a:buNone/>
             </a:pPr>
             <a:r>
-              <a:rPr lang="ru-RU" i="1" dirty="0">
+              <a:rPr lang="ru-RU" dirty="0">
                 <a:solidFill>
                   <a:srgbClr val="DFD5C9"/>
                 </a:solidFill>
@@ -12797,7 +12797,7 @@
               </a:rPr>
               <a:t>После идут входящие планы зданий для размещения ЛВС.</a:t>
             </a:r>
-            <a:endParaRPr lang="ru-RU" b="1" i="1" dirty="0">
+            <a:endParaRPr lang="ru-RU" b="1" dirty="0">
               <a:solidFill>
                 <a:srgbClr val="DFD5C9"/>
               </a:solidFill>
@@ -13068,7 +13068,7 @@
               <a:buNone/>
             </a:pPr>
             <a:r>
-              <a:rPr lang="ru-RU" b="0" i="1" dirty="0">
+              <a:rPr lang="ru-RU" b="0" dirty="0">
                 <a:solidFill>
                   <a:srgbClr val="DFD5C9"/>
                 </a:solidFill>
@@ -15513,7 +15513,7 @@
               <a:buNone/>
             </a:pPr>
             <a:r>
-              <a:rPr lang="ru-RU" i="1" dirty="0">
+              <a:rPr lang="ru-RU" dirty="0">
                 <a:solidFill>
                   <a:srgbClr val="DFD5C9"/>
                 </a:solidFill>
@@ -15652,7 +15652,7 @@
               </a:lnSpc>
             </a:pPr>
             <a:r>
-              <a:rPr lang="ru-RU" b="0" i="1" dirty="0">
+              <a:rPr lang="ru-RU" b="0" dirty="0">
                 <a:solidFill>
                   <a:srgbClr val="DFD5C9"/>
                 </a:solidFill>
@@ -15671,7 +15671,7 @@
               </a:lnSpc>
             </a:pPr>
             <a:r>
-              <a:rPr lang="ru-RU" b="0" i="1" dirty="0">
+              <a:rPr lang="ru-RU" b="0" dirty="0">
                 <a:solidFill>
                   <a:srgbClr val="DFD5C9"/>
                 </a:solidFill>
@@ -15683,7 +15683,7 @@
               <a:t>Слайд 6. </a:t>
             </a:r>
             <a:r>
-              <a:rPr lang="ru-RU" i="1" dirty="0">
+              <a:rPr lang="ru-RU" dirty="0">
                 <a:solidFill>
                   <a:srgbClr val="DFD5C9"/>
                 </a:solidFill>
@@ -15701,7 +15701,7 @@
               </a:lnSpc>
             </a:pPr>
             <a:r>
-              <a:rPr lang="ru-RU" b="0" i="1" dirty="0">
+              <a:rPr lang="ru-RU" b="0" dirty="0">
                 <a:solidFill>
                   <a:srgbClr val="DFD5C9"/>
                 </a:solidFill>
@@ -15713,7 +15713,7 @@
               <a:t>Слайд 7. </a:t>
             </a:r>
             <a:r>
-              <a:rPr lang="ru-RU" i="1" dirty="0">
+              <a:rPr lang="ru-RU" dirty="0">
                 <a:solidFill>
                   <a:srgbClr val="DFD5C9"/>
                 </a:solidFill>
@@ -15732,7 +15732,7 @@
               </a:lnSpc>
             </a:pPr>
             <a:r>
-              <a:rPr lang="ru-RU" b="0" i="1" dirty="0">
+              <a:rPr lang="ru-RU" b="0" dirty="0">
                 <a:solidFill>
                   <a:srgbClr val="DFD5C9"/>
                 </a:solidFill>
@@ -15744,7 +15744,7 @@
               <a:t>Слайд 8. </a:t>
             </a:r>
             <a:r>
-              <a:rPr lang="ru-RU" i="1" dirty="0">
+              <a:rPr lang="ru-RU" dirty="0">
                 <a:solidFill>
                   <a:srgbClr val="DFD5C9"/>
                 </a:solidFill>
@@ -15763,7 +15763,7 @@
               </a:lnSpc>
             </a:pPr>
             <a:r>
-              <a:rPr lang="ru-RU" b="0" i="1" dirty="0">
+              <a:rPr lang="ru-RU" b="0" dirty="0">
                 <a:solidFill>
                   <a:srgbClr val="DFD5C9"/>
                 </a:solidFill>
@@ -15775,7 +15775,7 @@
               <a:t>Слайд 9. </a:t>
             </a:r>
             <a:r>
-              <a:rPr lang="ru-RU" i="1" dirty="0">
+              <a:rPr lang="ru-RU" dirty="0">
                 <a:solidFill>
                   <a:srgbClr val="DFD5C9"/>
                 </a:solidFill>
@@ -15793,7 +15793,7 @@
               </a:lnSpc>
             </a:pPr>
             <a:r>
-              <a:rPr lang="ru-RU" b="0" i="1" dirty="0">
+              <a:rPr lang="ru-RU" b="0" dirty="0">
                 <a:solidFill>
                   <a:srgbClr val="DFD5C9"/>
                 </a:solidFill>
@@ -15805,7 +15805,7 @@
               <a:t>Слайд 10. </a:t>
             </a:r>
             <a:r>
-              <a:rPr lang="ru-RU" i="1" dirty="0">
+              <a:rPr lang="ru-RU" dirty="0">
                 <a:solidFill>
                   <a:srgbClr val="DFD5C9"/>
                 </a:solidFill>
@@ -15824,7 +15824,7 @@
               </a:lnSpc>
             </a:pPr>
             <a:r>
-              <a:rPr lang="ru-RU" b="0" i="1" dirty="0">
+              <a:rPr lang="ru-RU" b="0" dirty="0">
                 <a:solidFill>
                   <a:srgbClr val="DFD5C9"/>
                 </a:solidFill>
@@ -15836,7 +15836,7 @@
               <a:t>Слайд 11. </a:t>
             </a:r>
             <a:r>
-              <a:rPr lang="ru-RU" i="1" dirty="0">
+              <a:rPr lang="ru-RU" dirty="0">
                 <a:solidFill>
                   <a:srgbClr val="DFD5C9"/>
                 </a:solidFill>
@@ -15854,7 +15854,7 @@
               </a:lnSpc>
             </a:pPr>
             <a:r>
-              <a:rPr lang="ru-RU" b="0" i="1" dirty="0">
+              <a:rPr lang="ru-RU" b="0" dirty="0">
                 <a:solidFill>
                   <a:srgbClr val="DFD5C9"/>
                 </a:solidFill>
@@ -15866,7 +15866,7 @@
               <a:t>Слайд 13. </a:t>
             </a:r>
             <a:r>
-              <a:rPr lang="ru-RU" i="1" dirty="0">
+              <a:rPr lang="ru-RU" dirty="0">
                 <a:solidFill>
                   <a:srgbClr val="DFD5C9"/>
                 </a:solidFill>
@@ -15877,7 +15877,7 @@
               </a:rPr>
               <a:t>Спецификация необходимого оборудования</a:t>
             </a:r>
-            <a:endParaRPr lang="ru-RU" i="1" dirty="0">
+            <a:endParaRPr lang="ru-RU" dirty="0">
               <a:solidFill>
                 <a:srgbClr val="DFD5C9"/>
               </a:solidFill>
@@ -15936,7 +15936,7 @@
           <p:nvPr>
             <p:extLst>
               <p:ext uri="{D42A27DB-BD31-4B8C-83A1-F6EECF244321}">
-                <p14:modId xmlns:p14="http://schemas.microsoft.com/office/powerpoint/2010/main" val="2567457864"/>
+                <p14:modId xmlns:p14="http://schemas.microsoft.com/office/powerpoint/2010/main" val="2294059114"/>
               </p:ext>
             </p:extLst>
           </p:nvPr>
@@ -15989,7 +15989,7 @@
                     <a:p>
                       <a:pPr algn="ctr"/>
                       <a:r>
-                        <a:rPr lang="ru-RU" sz="2400" i="1" dirty="0">
+                        <a:rPr lang="ru-RU" sz="2400" i="0" dirty="0">
                           <a:latin typeface="GOST type A" panose="020B0500000000000000" pitchFamily="34" charset="0"/>
                         </a:rPr>
                         <a:t>№</a:t>
@@ -16045,7 +16045,7 @@
                     <a:p>
                       <a:pPr algn="ctr"/>
                       <a:r>
-                        <a:rPr lang="ru-RU" sz="2400" i="1" dirty="0">
+                        <a:rPr lang="ru-RU" sz="2400" i="0" dirty="0">
                           <a:latin typeface="GOST type A" panose="020B0500000000000000" pitchFamily="34" charset="0"/>
                         </a:rPr>
                         <a:t>Помещение</a:t>
@@ -16101,7 +16101,7 @@
                     <a:p>
                       <a:pPr algn="ctr"/>
                       <a:r>
-                        <a:rPr lang="ru-RU" sz="2400" i="1" dirty="0">
+                        <a:rPr lang="ru-RU" sz="2400" i="0" dirty="0">
                           <a:latin typeface="GOST type A" panose="020B0500000000000000" pitchFamily="34" charset="0"/>
                         </a:rPr>
                         <a:t>Назначение</a:t>
@@ -16157,7 +16157,7 @@
                     <a:p>
                       <a:pPr algn="ctr"/>
                       <a:r>
-                        <a:rPr lang="ru-RU" sz="2400" i="1" dirty="0">
+                        <a:rPr lang="ru-RU" sz="2400" i="0" dirty="0">
                           <a:latin typeface="GOST type A" panose="020B0500000000000000" pitchFamily="34" charset="0"/>
                         </a:rPr>
                         <a:t>Розетки</a:t>
@@ -16220,7 +16220,7 @@
                     <a:p>
                       <a:pPr algn="ctr"/>
                       <a:r>
-                        <a:rPr lang="ru-RU" sz="2400" i="1" dirty="0">
+                        <a:rPr lang="ru-RU" sz="2400" i="0" dirty="0">
                           <a:latin typeface="GOST type A" panose="020B0500000000000000" pitchFamily="34" charset="0"/>
                         </a:rPr>
                         <a:t>1</a:t>
@@ -16276,7 +16276,7 @@
                     <a:p>
                       <a:pPr algn="ctr"/>
                       <a:r>
-                        <a:rPr lang="ru-RU" sz="2400" i="1" dirty="0">
+                        <a:rPr lang="ru-RU" sz="2400" i="0" dirty="0">
                           <a:latin typeface="GOST type A" panose="020B0500000000000000" pitchFamily="34" charset="0"/>
                         </a:rPr>
                         <a:t>1</a:t>
@@ -16332,12 +16332,12 @@
                     <a:p>
                       <a:pPr algn="ctr"/>
                       <a:r>
-                        <a:rPr lang="ru-RU" sz="2400" i="1" dirty="0" err="1">
+                        <a:rPr lang="ru-RU" sz="2400" i="0" dirty="0" err="1">
                           <a:latin typeface="GOST type A" panose="020B0500000000000000" pitchFamily="34" charset="0"/>
                         </a:rPr>
                         <a:t>Стафф</a:t>
                       </a:r>
-                      <a:endParaRPr lang="ru-RU" sz="2400" i="1" dirty="0">
+                      <a:endParaRPr lang="ru-RU" sz="2400" i="0" dirty="0">
                         <a:latin typeface="GOST type A" panose="020B0500000000000000" pitchFamily="34" charset="0"/>
                       </a:endParaRPr>
                     </a:p>
@@ -16391,7 +16391,7 @@
                     <a:p>
                       <a:pPr algn="ctr"/>
                       <a:r>
-                        <a:rPr lang="ru-RU" sz="2400" i="1" dirty="0">
+                        <a:rPr lang="ru-RU" sz="2400" i="0" dirty="0">
                           <a:latin typeface="GOST type A" panose="020B0500000000000000" pitchFamily="34" charset="0"/>
                         </a:rPr>
                         <a:t>4</a:t>
@@ -16454,7 +16454,7 @@
                     <a:p>
                       <a:pPr algn="ctr"/>
                       <a:r>
-                        <a:rPr lang="ru-RU" sz="2400" i="1" dirty="0">
+                        <a:rPr lang="ru-RU" sz="2400" i="0" dirty="0">
                           <a:latin typeface="GOST type A" panose="020B0500000000000000" pitchFamily="34" charset="0"/>
                         </a:rPr>
                         <a:t>2</a:t>
@@ -16510,7 +16510,7 @@
                     <a:p>
                       <a:pPr algn="ctr"/>
                       <a:r>
-                        <a:rPr lang="ru-RU" sz="2400" i="1" dirty="0">
+                        <a:rPr lang="ru-RU" sz="2400" i="0" dirty="0">
                           <a:latin typeface="GOST type A" panose="020B0500000000000000" pitchFamily="34" charset="0"/>
                         </a:rPr>
                         <a:t>2</a:t>
@@ -16566,12 +16566,12 @@
                     <a:p>
                       <a:pPr algn="ctr"/>
                       <a:r>
-                        <a:rPr lang="ru-RU" sz="2400" i="1" dirty="0" err="1">
+                        <a:rPr lang="ru-RU" sz="2400" i="0" dirty="0" err="1">
                           <a:latin typeface="GOST type A" panose="020B0500000000000000" pitchFamily="34" charset="0"/>
                         </a:rPr>
                         <a:t>Стафф</a:t>
                       </a:r>
-                      <a:endParaRPr lang="ru-RU" sz="2400" i="1" dirty="0">
+                      <a:endParaRPr lang="ru-RU" sz="2400" i="0" dirty="0">
                         <a:latin typeface="GOST type A" panose="020B0500000000000000" pitchFamily="34" charset="0"/>
                       </a:endParaRPr>
                     </a:p>
@@ -16625,7 +16625,7 @@
                     <a:p>
                       <a:pPr algn="ctr"/>
                       <a:r>
-                        <a:rPr lang="ru-RU" sz="2400" i="1" dirty="0">
+                        <a:rPr lang="ru-RU" sz="2400" i="0" dirty="0">
                           <a:latin typeface="GOST type A" panose="020B0500000000000000" pitchFamily="34" charset="0"/>
                         </a:rPr>
                         <a:t>1</a:t>
@@ -16688,7 +16688,7 @@
                     <a:p>
                       <a:pPr algn="ctr"/>
                       <a:r>
-                        <a:rPr lang="ru-RU" sz="2400" i="1" dirty="0">
+                        <a:rPr lang="ru-RU" sz="2400" i="0" dirty="0">
                           <a:latin typeface="GOST type A" panose="020B0500000000000000" pitchFamily="34" charset="0"/>
                         </a:rPr>
                         <a:t>3</a:t>
@@ -16744,18 +16744,18 @@
                     <a:p>
                       <a:pPr algn="ctr"/>
                       <a:r>
-                        <a:rPr lang="ru-RU" sz="2400" i="1" dirty="0">
+                        <a:rPr lang="ru-RU" sz="2400" i="0" dirty="0">
                           <a:latin typeface="GOST type A" panose="020B0500000000000000" pitchFamily="34" charset="0"/>
                         </a:rPr>
                         <a:t>3</a:t>
                       </a:r>
                       <a:r>
-                        <a:rPr lang="en-US" sz="2400" i="1" dirty="0">
+                        <a:rPr lang="en-US" sz="2400" i="0" dirty="0">
                           <a:latin typeface="GOST type A" panose="020B0500000000000000" pitchFamily="34" charset="0"/>
                         </a:rPr>
                         <a:t> – 13</a:t>
                       </a:r>
-                      <a:endParaRPr lang="ru-RU" sz="2400" i="1" dirty="0">
+                      <a:endParaRPr lang="ru-RU" sz="2400" i="0" dirty="0">
                         <a:latin typeface="GOST type A" panose="020B0500000000000000" pitchFamily="34" charset="0"/>
                       </a:endParaRPr>
                     </a:p>
@@ -16809,7 +16809,7 @@
                     <a:p>
                       <a:pPr algn="ctr"/>
                       <a:r>
-                        <a:rPr lang="ru-RU" sz="2400" i="1" dirty="0">
+                        <a:rPr lang="ru-RU" sz="2400" i="0" dirty="0">
                           <a:latin typeface="GOST type A" panose="020B0500000000000000" pitchFamily="34" charset="0"/>
                         </a:rPr>
                         <a:t>Номер</a:t>
@@ -16865,7 +16865,7 @@
                     <a:p>
                       <a:pPr algn="ctr"/>
                       <a:r>
-                        <a:rPr lang="ru-RU" sz="2400" i="1" dirty="0">
+                        <a:rPr lang="ru-RU" sz="2400" i="0" dirty="0">
                           <a:latin typeface="GOST type A" panose="020B0500000000000000" pitchFamily="34" charset="0"/>
                         </a:rPr>
                         <a:t>1</a:t>
@@ -16928,7 +16928,7 @@
                     <a:p>
                       <a:pPr algn="ctr"/>
                       <a:r>
-                        <a:rPr lang="ru-RU" sz="2400" i="1" dirty="0">
+                        <a:rPr lang="ru-RU" sz="2400" i="0" dirty="0">
                           <a:latin typeface="GOST type A" panose="020B0500000000000000" pitchFamily="34" charset="0"/>
                         </a:rPr>
                         <a:t>4</a:t>
@@ -16984,7 +16984,7 @@
                     <a:p>
                       <a:pPr algn="ctr"/>
                       <a:r>
-                        <a:rPr lang="ru-RU" sz="2400" i="1" dirty="0">
+                        <a:rPr lang="ru-RU" sz="2400" i="0" dirty="0">
                           <a:latin typeface="GOST type A" panose="020B0500000000000000" pitchFamily="34" charset="0"/>
                         </a:rPr>
                         <a:t>14</a:t>
@@ -17040,13 +17040,13 @@
                     <a:p>
                       <a:pPr algn="ctr"/>
                       <a:r>
-                        <a:rPr lang="en-US" sz="2400" i="1" dirty="0">
+                        <a:rPr lang="en-US" sz="2400" i="0" dirty="0">
                           <a:latin typeface="GOST type A" panose="020B0500000000000000" pitchFamily="34" charset="0"/>
                         </a:rPr>
                         <a:t>VIP-</a:t>
                       </a:r>
                       <a:r>
-                        <a:rPr lang="ru-RU" sz="2400" i="1" dirty="0">
+                        <a:rPr lang="ru-RU" sz="2400" i="0" dirty="0">
                           <a:latin typeface="GOST type A" panose="020B0500000000000000" pitchFamily="34" charset="0"/>
                         </a:rPr>
                         <a:t>номер</a:t>
@@ -17102,7 +17102,7 @@
                     <a:p>
                       <a:pPr algn="ctr"/>
                       <a:r>
-                        <a:rPr lang="ru-RU" sz="2400" i="1" dirty="0">
+                        <a:rPr lang="ru-RU" sz="2400" i="0" dirty="0">
                           <a:latin typeface="GOST type A" panose="020B0500000000000000" pitchFamily="34" charset="0"/>
                         </a:rPr>
                         <a:t>3</a:t>
@@ -17165,7 +17165,7 @@
                     <a:p>
                       <a:pPr algn="ctr"/>
                       <a:r>
-                        <a:rPr lang="ru-RU" sz="2400" i="1" dirty="0">
+                        <a:rPr lang="ru-RU" sz="2400" i="0" dirty="0">
                           <a:latin typeface="GOST type A" panose="020B0500000000000000" pitchFamily="34" charset="0"/>
                         </a:rPr>
                         <a:t>5</a:t>
@@ -17237,7 +17237,7 @@
                         <a:defRPr/>
                       </a:pPr>
                       <a:r>
-                        <a:rPr lang="ru-RU" sz="2400" i="1" dirty="0">
+                        <a:rPr lang="ru-RU" sz="2400" i="0" dirty="0">
                           <a:latin typeface="GOST type A" panose="020B0500000000000000" pitchFamily="34" charset="0"/>
                         </a:rPr>
                         <a:t>15, 17, 19, 22, 24</a:t>
@@ -17293,7 +17293,7 @@
                     <a:p>
                       <a:pPr algn="ctr"/>
                       <a:r>
-                        <a:rPr lang="ru-RU" sz="2400" i="1" dirty="0">
+                        <a:rPr lang="ru-RU" sz="2400" i="0" dirty="0">
                           <a:latin typeface="GOST type A" panose="020B0500000000000000" pitchFamily="34" charset="0"/>
                         </a:rPr>
                         <a:t>Уборная</a:t>
@@ -17349,7 +17349,7 @@
                     <a:p>
                       <a:pPr algn="ctr"/>
                       <a:r>
-                        <a:rPr lang="ru-RU" sz="2400" i="1" dirty="0">
+                        <a:rPr lang="ru-RU" sz="2400" i="0" dirty="0">
                           <a:latin typeface="GOST type A" panose="020B0500000000000000" pitchFamily="34" charset="0"/>
                         </a:rPr>
                         <a:t>0</a:t>
@@ -17412,7 +17412,7 @@
                     <a:p>
                       <a:pPr algn="ctr"/>
                       <a:r>
-                        <a:rPr lang="ru-RU" sz="2400" i="1" dirty="0">
+                        <a:rPr lang="ru-RU" sz="2400" i="0" dirty="0">
                           <a:latin typeface="GOST type A" panose="020B0500000000000000" pitchFamily="34" charset="0"/>
                         </a:rPr>
                         <a:t>6</a:t>
@@ -17468,7 +17468,7 @@
                     <a:p>
                       <a:pPr algn="ctr"/>
                       <a:r>
-                        <a:rPr lang="ru-RU" sz="2400" i="1" dirty="0">
+                        <a:rPr lang="ru-RU" sz="2400" i="0" dirty="0">
                           <a:latin typeface="GOST type A" panose="020B0500000000000000" pitchFamily="34" charset="0"/>
                         </a:rPr>
                         <a:t>16, 18, 23</a:t>
@@ -17524,7 +17524,7 @@
                     <a:p>
                       <a:pPr algn="ctr"/>
                       <a:r>
-                        <a:rPr lang="ru-RU" sz="2400" i="1" dirty="0">
+                        <a:rPr lang="ru-RU" sz="2400" i="0" dirty="0">
                           <a:latin typeface="GOST type A" panose="020B0500000000000000" pitchFamily="34" charset="0"/>
                         </a:rPr>
                         <a:t>Номер</a:t>
@@ -17580,7 +17580,7 @@
                     <a:p>
                       <a:pPr algn="ctr"/>
                       <a:r>
-                        <a:rPr lang="ru-RU" sz="2400" i="1" dirty="0">
+                        <a:rPr lang="ru-RU" sz="2400" i="0" dirty="0">
                           <a:latin typeface="GOST type A" panose="020B0500000000000000" pitchFamily="34" charset="0"/>
                         </a:rPr>
                         <a:t>0</a:t>
@@ -17643,7 +17643,7 @@
                     <a:p>
                       <a:pPr algn="ctr"/>
                       <a:r>
-                        <a:rPr lang="ru-RU" sz="2400" i="1" dirty="0">
+                        <a:rPr lang="ru-RU" sz="2400" i="0" dirty="0">
                           <a:latin typeface="GOST type A" panose="020B0500000000000000" pitchFamily="34" charset="0"/>
                         </a:rPr>
                         <a:t>7</a:t>
@@ -17699,7 +17699,7 @@
                     <a:p>
                       <a:pPr algn="ctr"/>
                       <a:r>
-                        <a:rPr lang="ru-RU" sz="2400" i="1" dirty="0">
+                        <a:rPr lang="ru-RU" sz="2400" i="0" dirty="0">
                           <a:latin typeface="GOST type A" panose="020B0500000000000000" pitchFamily="34" charset="0"/>
                         </a:rPr>
                         <a:t>20, 22</a:t>
@@ -17755,13 +17755,13 @@
                     <a:p>
                       <a:pPr algn="ctr"/>
                       <a:r>
-                        <a:rPr lang="ru-RU" sz="2400" i="1" dirty="0" err="1">
+                        <a:rPr lang="ru-RU" sz="2400" i="0" dirty="0" err="1">
                           <a:latin typeface="GOST type A" panose="020B0500000000000000" pitchFamily="34" charset="0"/>
                         </a:rPr>
                         <a:t>Фуд</a:t>
                       </a:r>
                       <a:r>
-                        <a:rPr lang="ru-RU" sz="2400" i="1" dirty="0">
+                        <a:rPr lang="ru-RU" sz="2400" i="0" dirty="0">
                           <a:latin typeface="GOST type A" panose="020B0500000000000000" pitchFamily="34" charset="0"/>
                         </a:rPr>
                         <a:t>-корт</a:t>
@@ -17817,7 +17817,7 @@
                     <a:p>
                       <a:pPr algn="ctr"/>
                       <a:r>
-                        <a:rPr lang="ru-RU" sz="2400" i="1" dirty="0">
+                        <a:rPr lang="ru-RU" sz="2400" i="0" dirty="0">
                           <a:latin typeface="GOST type A" panose="020B0500000000000000" pitchFamily="34" charset="0"/>
                         </a:rPr>
                         <a:t>0</a:t>
@@ -17891,7 +17891,7 @@
           <p:nvPr>
             <p:extLst>
               <p:ext uri="{D42A27DB-BD31-4B8C-83A1-F6EECF244321}">
-                <p14:modId xmlns:p14="http://schemas.microsoft.com/office/powerpoint/2010/main" val="3464127891"/>
+                <p14:modId xmlns:p14="http://schemas.microsoft.com/office/powerpoint/2010/main" val="2633317471"/>
               </p:ext>
             </p:extLst>
           </p:nvPr>
@@ -17944,7 +17944,7 @@
                     <a:p>
                       <a:pPr algn="ctr"/>
                       <a:r>
-                        <a:rPr lang="ru-RU" sz="2400" i="1" dirty="0">
+                        <a:rPr lang="ru-RU" sz="2400" i="0" dirty="0">
                           <a:latin typeface="GOST type A" panose="020B0500000000000000" pitchFamily="34" charset="0"/>
                         </a:rPr>
                         <a:t>№</a:t>
@@ -18000,7 +18000,7 @@
                     <a:p>
                       <a:pPr algn="ctr"/>
                       <a:r>
-                        <a:rPr lang="ru-RU" sz="2400" i="1" dirty="0">
+                        <a:rPr lang="ru-RU" sz="2400" i="0" dirty="0">
                           <a:latin typeface="GOST type A" panose="020B0500000000000000" pitchFamily="34" charset="0"/>
                         </a:rPr>
                         <a:t>Помещение</a:t>
@@ -18056,7 +18056,7 @@
                     <a:p>
                       <a:pPr algn="ctr"/>
                       <a:r>
-                        <a:rPr lang="ru-RU" sz="2400" i="1" dirty="0">
+                        <a:rPr lang="ru-RU" sz="2400" i="0" dirty="0">
                           <a:latin typeface="GOST type A" panose="020B0500000000000000" pitchFamily="34" charset="0"/>
                         </a:rPr>
                         <a:t>Назначение</a:t>
@@ -18112,7 +18112,7 @@
                     <a:p>
                       <a:pPr algn="ctr"/>
                       <a:r>
-                        <a:rPr lang="ru-RU" sz="2400" i="1" dirty="0">
+                        <a:rPr lang="ru-RU" sz="2400" i="0" dirty="0">
                           <a:latin typeface="GOST type A" panose="020B0500000000000000" pitchFamily="34" charset="0"/>
                         </a:rPr>
                         <a:t>Розетки</a:t>
@@ -18175,7 +18175,7 @@
                     <a:p>
                       <a:pPr algn="ctr"/>
                       <a:r>
-                        <a:rPr lang="ru-RU" sz="2400" i="1" dirty="0">
+                        <a:rPr lang="ru-RU" sz="2400" i="0" dirty="0">
                           <a:latin typeface="GOST type A" panose="020B0500000000000000" pitchFamily="34" charset="0"/>
                         </a:rPr>
                         <a:t>1</a:t>
@@ -18231,7 +18231,7 @@
                     <a:p>
                       <a:pPr algn="ctr"/>
                       <a:r>
-                        <a:rPr lang="ru-RU" sz="2400" i="1" dirty="0">
+                        <a:rPr lang="ru-RU" sz="2400" i="0" dirty="0">
                           <a:latin typeface="GOST type A" panose="020B0500000000000000" pitchFamily="34" charset="0"/>
                         </a:rPr>
                         <a:t>1</a:t>
@@ -18287,7 +18287,7 @@
                     <a:p>
                       <a:pPr algn="ctr"/>
                       <a:r>
-                        <a:rPr lang="ru-RU" sz="2400" i="1" dirty="0">
+                        <a:rPr lang="ru-RU" sz="2400" i="0" dirty="0">
                           <a:latin typeface="GOST type A" panose="020B0500000000000000" pitchFamily="34" charset="0"/>
                         </a:rPr>
                         <a:t>Проходная</a:t>
@@ -18343,7 +18343,7 @@
                     <a:p>
                       <a:pPr algn="ctr"/>
                       <a:r>
-                        <a:rPr lang="ru-RU" sz="2400" i="1" dirty="0">
+                        <a:rPr lang="ru-RU" sz="2400" i="0" dirty="0">
                           <a:latin typeface="GOST type A" panose="020B0500000000000000" pitchFamily="34" charset="0"/>
                         </a:rPr>
                         <a:t>0</a:t>
@@ -18406,7 +18406,7 @@
                     <a:p>
                       <a:pPr algn="ctr"/>
                       <a:r>
-                        <a:rPr lang="ru-RU" sz="2400" i="1" dirty="0">
+                        <a:rPr lang="ru-RU" sz="2400" i="0" dirty="0">
                           <a:latin typeface="GOST type A" panose="020B0500000000000000" pitchFamily="34" charset="0"/>
                         </a:rPr>
                         <a:t>2</a:t>
@@ -18462,7 +18462,7 @@
                     <a:p>
                       <a:pPr algn="ctr"/>
                       <a:r>
-                        <a:rPr lang="ru-RU" sz="2400" i="1" dirty="0">
+                        <a:rPr lang="ru-RU" sz="2400" i="0" dirty="0">
                           <a:latin typeface="GOST type A" panose="020B0500000000000000" pitchFamily="34" charset="0"/>
                         </a:rPr>
                         <a:t>2</a:t>
@@ -18518,7 +18518,7 @@
                     <a:p>
                       <a:pPr algn="ctr"/>
                       <a:r>
-                        <a:rPr lang="ru-RU" sz="2400" i="1" dirty="0">
+                        <a:rPr lang="ru-RU" sz="2400" i="0" dirty="0">
                           <a:latin typeface="GOST type A" panose="020B0500000000000000" pitchFamily="34" charset="0"/>
                         </a:rPr>
                         <a:t>Серверная</a:t>
@@ -18574,7 +18574,7 @@
                     <a:p>
                       <a:pPr algn="ctr"/>
                       <a:r>
-                        <a:rPr lang="ru-RU" sz="2400" i="1" dirty="0">
+                        <a:rPr lang="ru-RU" sz="2400" i="0" dirty="0">
                           <a:latin typeface="GOST type A" panose="020B0500000000000000" pitchFamily="34" charset="0"/>
                         </a:rPr>
                         <a:t>0</a:t>
@@ -18637,7 +18637,7 @@
                     <a:p>
                       <a:pPr algn="ctr"/>
                       <a:r>
-                        <a:rPr lang="ru-RU" sz="2400" i="1" dirty="0">
+                        <a:rPr lang="ru-RU" sz="2400" i="0" dirty="0">
                           <a:latin typeface="GOST type A" panose="020B0500000000000000" pitchFamily="34" charset="0"/>
                         </a:rPr>
                         <a:t>3</a:t>
@@ -18693,7 +18693,7 @@
                     <a:p>
                       <a:pPr algn="ctr"/>
                       <a:r>
-                        <a:rPr lang="ru-RU" sz="2400" i="1" dirty="0">
+                        <a:rPr lang="ru-RU" sz="2400" i="0" dirty="0">
                           <a:latin typeface="GOST type A" panose="020B0500000000000000" pitchFamily="34" charset="0"/>
                         </a:rPr>
                         <a:t>3 -4</a:t>
@@ -18749,7 +18749,7 @@
                     <a:p>
                       <a:pPr algn="ctr"/>
                       <a:r>
-                        <a:rPr lang="ru-RU" sz="2400" i="1" dirty="0">
+                        <a:rPr lang="ru-RU" sz="2400" i="0" dirty="0">
                           <a:latin typeface="GOST type A" panose="020B0500000000000000" pitchFamily="34" charset="0"/>
                         </a:rPr>
                         <a:t>Комната</a:t>
@@ -18805,7 +18805,7 @@
                     <a:p>
                       <a:pPr algn="ctr"/>
                       <a:r>
-                        <a:rPr lang="ru-RU" sz="2400" i="1" dirty="0">
+                        <a:rPr lang="ru-RU" sz="2400" i="0" dirty="0">
                           <a:latin typeface="GOST type A" panose="020B0500000000000000" pitchFamily="34" charset="0"/>
                         </a:rPr>
                         <a:t>2</a:t>
@@ -18868,7 +18868,7 @@
                     <a:p>
                       <a:pPr algn="ctr"/>
                       <a:r>
-                        <a:rPr lang="ru-RU" sz="2400" i="1" dirty="0">
+                        <a:rPr lang="ru-RU" sz="2400" i="0" dirty="0">
                           <a:latin typeface="GOST type A" panose="020B0500000000000000" pitchFamily="34" charset="0"/>
                         </a:rPr>
                         <a:t>4</a:t>
@@ -18924,7 +18924,7 @@
                     <a:p>
                       <a:pPr algn="ctr"/>
                       <a:r>
-                        <a:rPr lang="ru-RU" sz="2400" i="1" dirty="0">
+                        <a:rPr lang="ru-RU" sz="2400" i="0" dirty="0">
                           <a:latin typeface="GOST type A" panose="020B0500000000000000" pitchFamily="34" charset="0"/>
                         </a:rPr>
                         <a:t>5, 6, 8, 9</a:t>
@@ -18980,7 +18980,7 @@
                     <a:p>
                       <a:pPr algn="ctr"/>
                       <a:r>
-                        <a:rPr lang="ru-RU" sz="2400" i="1" dirty="0">
+                        <a:rPr lang="ru-RU" sz="2400" i="0" dirty="0">
                           <a:latin typeface="GOST type A" panose="020B0500000000000000" pitchFamily="34" charset="0"/>
                         </a:rPr>
                         <a:t>Комната</a:t>
@@ -19036,7 +19036,7 @@
                     <a:p>
                       <a:pPr algn="ctr"/>
                       <a:r>
-                        <a:rPr lang="ru-RU" sz="2400" i="1" dirty="0">
+                        <a:rPr lang="ru-RU" sz="2400" i="0" dirty="0">
                           <a:latin typeface="GOST type A" panose="020B0500000000000000" pitchFamily="34" charset="0"/>
                         </a:rPr>
                         <a:t>0</a:t>
@@ -19099,7 +19099,7 @@
                     <a:p>
                       <a:pPr algn="ctr"/>
                       <a:r>
-                        <a:rPr lang="ru-RU" sz="2400" i="1" dirty="0">
+                        <a:rPr lang="ru-RU" sz="2400" i="0" dirty="0">
                           <a:latin typeface="GOST type A" panose="020B0500000000000000" pitchFamily="34" charset="0"/>
                         </a:rPr>
                         <a:t>5</a:t>
@@ -19171,7 +19171,7 @@
                         <a:defRPr/>
                       </a:pPr>
                       <a:r>
-                        <a:rPr lang="ru-RU" sz="2400" i="1" dirty="0">
+                        <a:rPr lang="ru-RU" sz="2400" i="0" dirty="0">
                           <a:latin typeface="GOST type A" panose="020B0500000000000000" pitchFamily="34" charset="0"/>
                         </a:rPr>
                         <a:t>7</a:t>
@@ -19227,7 +19227,7 @@
                     <a:p>
                       <a:pPr algn="ctr"/>
                       <a:r>
-                        <a:rPr lang="ru-RU" sz="2400" i="1" dirty="0">
+                        <a:rPr lang="ru-RU" sz="2400" i="0" dirty="0">
                           <a:latin typeface="GOST type A" panose="020B0500000000000000" pitchFamily="34" charset="0"/>
                         </a:rPr>
                         <a:t>Кладовая</a:t>
@@ -19283,7 +19283,7 @@
                     <a:p>
                       <a:pPr algn="ctr"/>
                       <a:r>
-                        <a:rPr lang="ru-RU" sz="2400" i="1" dirty="0">
+                        <a:rPr lang="ru-RU" sz="2400" i="0" dirty="0">
                           <a:latin typeface="GOST type A" panose="020B0500000000000000" pitchFamily="34" charset="0"/>
                         </a:rPr>
                         <a:t>0</a:t>
@@ -19667,7 +19667,7 @@
               <a:buNone/>
             </a:pPr>
             <a:r>
-              <a:rPr lang="ru-RU" b="0" i="1" dirty="0">
+              <a:rPr lang="ru-RU" b="0" dirty="0">
                 <a:solidFill>
                   <a:srgbClr val="DFD5C9"/>
                 </a:solidFill>
@@ -19678,7 +19678,7 @@
               <a:t>Включает в себя по телекоммуникационному шкафу на каждое здание</a:t>
             </a:r>
             <a:r>
-              <a:rPr lang="ru-RU" i="1" dirty="0">
+              <a:rPr lang="ru-RU" dirty="0">
                 <a:solidFill>
                   <a:srgbClr val="DFD5C9"/>
                 </a:solidFill>
@@ -19688,7 +19688,7 @@
               <a:t> и </a:t>
             </a:r>
             <a:r>
-              <a:rPr lang="ru-RU" b="0" i="1" dirty="0">
+              <a:rPr lang="ru-RU" b="0" dirty="0">
                 <a:solidFill>
                   <a:srgbClr val="DFD5C9"/>
                 </a:solidFill>
@@ -19699,7 +19699,7 @@
               <a:t>волокно-оптически</a:t>
             </a:r>
             <a:r>
-              <a:rPr lang="ru-RU" i="1" dirty="0">
+              <a:rPr lang="ru-RU" dirty="0">
                 <a:solidFill>
                   <a:srgbClr val="DFD5C9"/>
                 </a:solidFill>
@@ -19708,7 +19708,7 @@
               </a:rPr>
               <a:t>й кабель меж зданий который проложен воздушным путем</a:t>
             </a:r>
-            <a:endParaRPr lang="ru-RU" b="1" i="1" dirty="0">
+            <a:endParaRPr lang="ru-RU" b="1" dirty="0">
               <a:solidFill>
                 <a:srgbClr val="DFD5C9"/>
               </a:solidFill>
@@ -20586,7 +20586,7 @@
               <a:buNone/>
             </a:pPr>
             <a:r>
-              <a:rPr lang="ru-RU" b="0" i="1" dirty="0">
+              <a:rPr lang="ru-RU" b="0" dirty="0">
                 <a:solidFill>
                   <a:srgbClr val="DFD5C9"/>
                 </a:solidFill>
@@ -20596,7 +20596,7 @@
               </a:rPr>
               <a:t>Включает в себя монтажный шкаф, расположенный на лестничной площадке и 19 из 23 абонентских розеток, расположенных в помещениях, указанных в ТЗ</a:t>
             </a:r>
-            <a:endParaRPr lang="ru-RU" b="1" i="1" dirty="0">
+            <a:endParaRPr lang="ru-RU" b="1" dirty="0">
               <a:solidFill>
                 <a:srgbClr val="DFD5C9"/>
               </a:solidFill>
@@ -20990,7 +20990,7 @@
               <a:buNone/>
             </a:pPr>
             <a:r>
-              <a:rPr lang="ru-RU" b="0" i="1" dirty="0">
+              <a:rPr lang="ru-RU" b="0" dirty="0">
                 <a:solidFill>
                   <a:srgbClr val="DFD5C9"/>
                 </a:solidFill>
@@ -21000,7 +21000,7 @@
               </a:rPr>
               <a:t>Включает в себя последовательность размещения активного оборудования и необходимую длину волокно-оптического кабеля</a:t>
             </a:r>
-            <a:endParaRPr lang="ru-RU" b="1" i="1" dirty="0">
+            <a:endParaRPr lang="ru-RU" b="1" dirty="0">
               <a:solidFill>
                 <a:srgbClr val="DFD5C9"/>
               </a:solidFill>
